--- a/speaker decks/Sarah Young - The Roast of TechBro-ism PubConf Jun 24.pptx
+++ b/speaker decks/Sarah Young - The Roast of TechBro-ism PubConf Jun 24.pptx
@@ -5,29 +5,31 @@
     <p:sldMasterId id="2147483648" r:id="rId1"/>
   </p:sldMasterIdLst>
   <p:notesMasterIdLst>
-    <p:notesMasterId r:id="rId22"/>
+    <p:notesMasterId r:id="rId24"/>
   </p:notesMasterIdLst>
   <p:sldIdLst>
-    <p:sldId id="256" r:id="rId2"/>
-    <p:sldId id="257" r:id="rId3"/>
-    <p:sldId id="258" r:id="rId4"/>
-    <p:sldId id="259" r:id="rId5"/>
-    <p:sldId id="262" r:id="rId6"/>
-    <p:sldId id="260" r:id="rId7"/>
-    <p:sldId id="261" r:id="rId8"/>
-    <p:sldId id="263" r:id="rId9"/>
-    <p:sldId id="264" r:id="rId10"/>
-    <p:sldId id="265" r:id="rId11"/>
-    <p:sldId id="266" r:id="rId12"/>
-    <p:sldId id="267" r:id="rId13"/>
-    <p:sldId id="268" r:id="rId14"/>
-    <p:sldId id="269" r:id="rId15"/>
-    <p:sldId id="270" r:id="rId16"/>
-    <p:sldId id="271" r:id="rId17"/>
-    <p:sldId id="272" r:id="rId18"/>
-    <p:sldId id="273" r:id="rId19"/>
-    <p:sldId id="274" r:id="rId20"/>
-    <p:sldId id="275" r:id="rId21"/>
+    <p:sldId id="276" r:id="rId2"/>
+    <p:sldId id="256" r:id="rId3"/>
+    <p:sldId id="257" r:id="rId4"/>
+    <p:sldId id="258" r:id="rId5"/>
+    <p:sldId id="259" r:id="rId6"/>
+    <p:sldId id="262" r:id="rId7"/>
+    <p:sldId id="260" r:id="rId8"/>
+    <p:sldId id="261" r:id="rId9"/>
+    <p:sldId id="263" r:id="rId10"/>
+    <p:sldId id="264" r:id="rId11"/>
+    <p:sldId id="265" r:id="rId12"/>
+    <p:sldId id="266" r:id="rId13"/>
+    <p:sldId id="267" r:id="rId14"/>
+    <p:sldId id="268" r:id="rId15"/>
+    <p:sldId id="269" r:id="rId16"/>
+    <p:sldId id="270" r:id="rId17"/>
+    <p:sldId id="271" r:id="rId18"/>
+    <p:sldId id="272" r:id="rId19"/>
+    <p:sldId id="273" r:id="rId20"/>
+    <p:sldId id="274" r:id="rId21"/>
+    <p:sldId id="275" r:id="rId22"/>
+    <p:sldId id="277" r:id="rId23"/>
   </p:sldIdLst>
   <p:sldSz cx="12192000" cy="6858000"/>
   <p:notesSz cx="6858000" cy="9144000"/>
@@ -983,7 +985,7 @@
           <a:p>
             <a:fld id="{7DB566C7-B229-4C62-AF3D-17FB9248985E}" type="slidenum">
               <a:rPr lang="en-AU" smtClean="0"/>
-              <a:t>5</a:t>
+              <a:t>6</a:t>
             </a:fld>
             <a:endParaRPr lang="en-AU"/>
           </a:p>
@@ -1091,7 +1093,7 @@
           <a:p>
             <a:fld id="{7DB566C7-B229-4C62-AF3D-17FB9248985E}" type="slidenum">
               <a:rPr lang="en-AU" smtClean="0"/>
-              <a:t>15</a:t>
+              <a:t>16</a:t>
             </a:fld>
             <a:endParaRPr lang="en-AU"/>
           </a:p>
@@ -1199,7 +1201,7 @@
           <a:p>
             <a:fld id="{7DB566C7-B229-4C62-AF3D-17FB9248985E}" type="slidenum">
               <a:rPr lang="en-AU" smtClean="0"/>
-              <a:t>16</a:t>
+              <a:t>17</a:t>
             </a:fld>
             <a:endParaRPr lang="en-AU"/>
           </a:p>
@@ -1307,7 +1309,7 @@
           <a:p>
             <a:fld id="{7DB566C7-B229-4C62-AF3D-17FB9248985E}" type="slidenum">
               <a:rPr lang="en-AU" smtClean="0"/>
-              <a:t>17</a:t>
+              <a:t>18</a:t>
             </a:fld>
             <a:endParaRPr lang="en-AU"/>
           </a:p>
@@ -1415,7 +1417,7 @@
           <a:p>
             <a:fld id="{7DB566C7-B229-4C62-AF3D-17FB9248985E}" type="slidenum">
               <a:rPr lang="en-AU" smtClean="0"/>
-              <a:t>18</a:t>
+              <a:t>19</a:t>
             </a:fld>
             <a:endParaRPr lang="en-AU"/>
           </a:p>
@@ -1523,7 +1525,7 @@
           <a:p>
             <a:fld id="{7DB566C7-B229-4C62-AF3D-17FB9248985E}" type="slidenum">
               <a:rPr lang="en-AU" smtClean="0"/>
-              <a:t>19</a:t>
+              <a:t>20</a:t>
             </a:fld>
             <a:endParaRPr lang="en-AU"/>
           </a:p>
@@ -1631,7 +1633,7 @@
           <a:p>
             <a:fld id="{7DB566C7-B229-4C62-AF3D-17FB9248985E}" type="slidenum">
               <a:rPr lang="en-AU" smtClean="0"/>
-              <a:t>20</a:t>
+              <a:t>21</a:t>
             </a:fld>
             <a:endParaRPr lang="en-AU"/>
           </a:p>
@@ -1739,7 +1741,7 @@
           <a:p>
             <a:fld id="{7DB566C7-B229-4C62-AF3D-17FB9248985E}" type="slidenum">
               <a:rPr lang="en-AU" smtClean="0"/>
-              <a:t>6</a:t>
+              <a:t>7</a:t>
             </a:fld>
             <a:endParaRPr lang="en-AU"/>
           </a:p>
@@ -1827,7 +1829,7 @@
           <a:p>
             <a:fld id="{7DB566C7-B229-4C62-AF3D-17FB9248985E}" type="slidenum">
               <a:rPr lang="en-AU" smtClean="0"/>
-              <a:t>7</a:t>
+              <a:t>8</a:t>
             </a:fld>
             <a:endParaRPr lang="en-AU"/>
           </a:p>
@@ -1915,7 +1917,7 @@
           <a:p>
             <a:fld id="{7DB566C7-B229-4C62-AF3D-17FB9248985E}" type="slidenum">
               <a:rPr lang="en-AU" smtClean="0"/>
-              <a:t>8</a:t>
+              <a:t>9</a:t>
             </a:fld>
             <a:endParaRPr lang="en-AU"/>
           </a:p>
@@ -2003,7 +2005,7 @@
           <a:p>
             <a:fld id="{7DB566C7-B229-4C62-AF3D-17FB9248985E}" type="slidenum">
               <a:rPr lang="en-AU" smtClean="0"/>
-              <a:t>9</a:t>
+              <a:t>10</a:t>
             </a:fld>
             <a:endParaRPr lang="en-AU"/>
           </a:p>
@@ -2095,7 +2097,7 @@
           <a:p>
             <a:fld id="{7DB566C7-B229-4C62-AF3D-17FB9248985E}" type="slidenum">
               <a:rPr lang="en-AU" smtClean="0"/>
-              <a:t>10</a:t>
+              <a:t>11</a:t>
             </a:fld>
             <a:endParaRPr lang="en-AU"/>
           </a:p>
@@ -2203,7 +2205,7 @@
           <a:p>
             <a:fld id="{7DB566C7-B229-4C62-AF3D-17FB9248985E}" type="slidenum">
               <a:rPr lang="en-AU" smtClean="0"/>
-              <a:t>12</a:t>
+              <a:t>13</a:t>
             </a:fld>
             <a:endParaRPr lang="en-AU"/>
           </a:p>
@@ -2311,7 +2313,7 @@
           <a:p>
             <a:fld id="{7DB566C7-B229-4C62-AF3D-17FB9248985E}" type="slidenum">
               <a:rPr lang="en-AU" smtClean="0"/>
-              <a:t>13</a:t>
+              <a:t>14</a:t>
             </a:fld>
             <a:endParaRPr lang="en-AU"/>
           </a:p>
@@ -2419,7 +2421,7 @@
           <a:p>
             <a:fld id="{7DB566C7-B229-4C62-AF3D-17FB9248985E}" type="slidenum">
               <a:rPr lang="en-AU" smtClean="0"/>
-              <a:t>14</a:t>
+              <a:t>15</a:t>
             </a:fld>
             <a:endParaRPr lang="en-AU"/>
           </a:p>
@@ -2659,10 +2661,10 @@
   </p:clrMapOvr>
   <mc:AlternateContent xmlns:mc="http://schemas.openxmlformats.org/markup-compatibility/2006">
     <mc:Choice xmlns:p14="http://schemas.microsoft.com/office/powerpoint/2010/main" Requires="p14">
-      <p:transition spd="slow" p14:dur="2000" advClick="0" advTm="0"/>
+      <p:transition spd="slow" p14:dur="2000" advClick="0" advTm="15000"/>
     </mc:Choice>
     <mc:Fallback>
-      <p:transition spd="slow" advClick="0" advTm="0"/>
+      <p:transition spd="slow" advClick="0" advTm="15000"/>
     </mc:Fallback>
   </mc:AlternateContent>
 </p:sldLayout>
@@ -2867,10 +2869,10 @@
   </p:clrMapOvr>
   <mc:AlternateContent xmlns:mc="http://schemas.openxmlformats.org/markup-compatibility/2006">
     <mc:Choice xmlns:p14="http://schemas.microsoft.com/office/powerpoint/2010/main" Requires="p14">
-      <p:transition spd="slow" p14:dur="2000" advClick="0" advTm="0"/>
+      <p:transition spd="slow" p14:dur="2000" advClick="0" advTm="15000"/>
     </mc:Choice>
     <mc:Fallback>
-      <p:transition spd="slow" advClick="0" advTm="0"/>
+      <p:transition spd="slow" advClick="0" advTm="15000"/>
     </mc:Fallback>
   </mc:AlternateContent>
 </p:sldLayout>
@@ -3085,10 +3087,10 @@
   </p:clrMapOvr>
   <mc:AlternateContent xmlns:mc="http://schemas.openxmlformats.org/markup-compatibility/2006">
     <mc:Choice xmlns:p14="http://schemas.microsoft.com/office/powerpoint/2010/main" Requires="p14">
-      <p:transition spd="slow" p14:dur="2000" advClick="0" advTm="0"/>
+      <p:transition spd="slow" p14:dur="2000" advClick="0" advTm="15000"/>
     </mc:Choice>
     <mc:Fallback>
-      <p:transition spd="slow" advClick="0" advTm="0"/>
+      <p:transition spd="slow" advClick="0" advTm="15000"/>
     </mc:Fallback>
   </mc:AlternateContent>
 </p:sldLayout>
@@ -3293,10 +3295,10 @@
   </p:clrMapOvr>
   <mc:AlternateContent xmlns:mc="http://schemas.openxmlformats.org/markup-compatibility/2006">
     <mc:Choice xmlns:p14="http://schemas.microsoft.com/office/powerpoint/2010/main" Requires="p14">
-      <p:transition spd="slow" p14:dur="2000" advClick="0" advTm="0"/>
+      <p:transition spd="slow" p14:dur="2000" advClick="0" advTm="15000"/>
     </mc:Choice>
     <mc:Fallback>
-      <p:transition spd="slow" advClick="0" advTm="0"/>
+      <p:transition spd="slow" advClick="0" advTm="15000"/>
     </mc:Fallback>
   </mc:AlternateContent>
 </p:sldLayout>
@@ -3577,10 +3579,10 @@
   </p:clrMapOvr>
   <mc:AlternateContent xmlns:mc="http://schemas.openxmlformats.org/markup-compatibility/2006">
     <mc:Choice xmlns:p14="http://schemas.microsoft.com/office/powerpoint/2010/main" Requires="p14">
-      <p:transition spd="slow" p14:dur="2000" advClick="0" advTm="0"/>
+      <p:transition spd="slow" p14:dur="2000" advClick="0" advTm="15000"/>
     </mc:Choice>
     <mc:Fallback>
-      <p:transition spd="slow" advClick="0" advTm="0"/>
+      <p:transition spd="slow" advClick="0" advTm="15000"/>
     </mc:Fallback>
   </mc:AlternateContent>
 </p:sldLayout>
@@ -3853,10 +3855,10 @@
   </p:clrMapOvr>
   <mc:AlternateContent xmlns:mc="http://schemas.openxmlformats.org/markup-compatibility/2006">
     <mc:Choice xmlns:p14="http://schemas.microsoft.com/office/powerpoint/2010/main" Requires="p14">
-      <p:transition spd="slow" p14:dur="2000" advClick="0" advTm="0"/>
+      <p:transition spd="slow" p14:dur="2000" advClick="0" advTm="15000"/>
     </mc:Choice>
     <mc:Fallback>
-      <p:transition spd="slow" advClick="0" advTm="0"/>
+      <p:transition spd="slow" advClick="0" advTm="15000"/>
     </mc:Fallback>
   </mc:AlternateContent>
 </p:sldLayout>
@@ -4276,10 +4278,10 @@
   </p:clrMapOvr>
   <mc:AlternateContent xmlns:mc="http://schemas.openxmlformats.org/markup-compatibility/2006">
     <mc:Choice xmlns:p14="http://schemas.microsoft.com/office/powerpoint/2010/main" Requires="p14">
-      <p:transition spd="slow" p14:dur="2000" advClick="0" advTm="0"/>
+      <p:transition spd="slow" p14:dur="2000" advClick="0" advTm="15000"/>
     </mc:Choice>
     <mc:Fallback>
-      <p:transition spd="slow" advClick="0" advTm="0"/>
+      <p:transition spd="slow" advClick="0" advTm="15000"/>
     </mc:Fallback>
   </mc:AlternateContent>
 </p:sldLayout>
@@ -4426,10 +4428,10 @@
   </p:clrMapOvr>
   <mc:AlternateContent xmlns:mc="http://schemas.openxmlformats.org/markup-compatibility/2006">
     <mc:Choice xmlns:p14="http://schemas.microsoft.com/office/powerpoint/2010/main" Requires="p14">
-      <p:transition spd="slow" p14:dur="2000" advClick="0" advTm="0"/>
+      <p:transition spd="slow" p14:dur="2000" advClick="0" advTm="15000"/>
     </mc:Choice>
     <mc:Fallback>
-      <p:transition spd="slow" advClick="0" advTm="0"/>
+      <p:transition spd="slow" advClick="0" advTm="15000"/>
     </mc:Fallback>
   </mc:AlternateContent>
 </p:sldLayout>
@@ -4547,10 +4549,10 @@
   </p:clrMapOvr>
   <mc:AlternateContent xmlns:mc="http://schemas.openxmlformats.org/markup-compatibility/2006">
     <mc:Choice xmlns:p14="http://schemas.microsoft.com/office/powerpoint/2010/main" Requires="p14">
-      <p:transition spd="slow" p14:dur="2000" advClick="0" advTm="0"/>
+      <p:transition spd="slow" p14:dur="2000" advClick="0" advTm="15000"/>
     </mc:Choice>
     <mc:Fallback>
-      <p:transition spd="slow" advClick="0" advTm="0"/>
+      <p:transition spd="slow" advClick="0" advTm="15000"/>
     </mc:Fallback>
   </mc:AlternateContent>
 </p:sldLayout>
@@ -4868,10 +4870,10 @@
   </p:clrMapOvr>
   <mc:AlternateContent xmlns:mc="http://schemas.openxmlformats.org/markup-compatibility/2006">
     <mc:Choice xmlns:p14="http://schemas.microsoft.com/office/powerpoint/2010/main" Requires="p14">
-      <p:transition spd="slow" p14:dur="2000" advClick="0" advTm="0"/>
+      <p:transition spd="slow" p14:dur="2000" advClick="0" advTm="15000"/>
     </mc:Choice>
     <mc:Fallback>
-      <p:transition spd="slow" advClick="0" advTm="0"/>
+      <p:transition spd="slow" advClick="0" advTm="15000"/>
     </mc:Fallback>
   </mc:AlternateContent>
 </p:sldLayout>
@@ -5165,10 +5167,10 @@
   </p:clrMapOvr>
   <mc:AlternateContent xmlns:mc="http://schemas.openxmlformats.org/markup-compatibility/2006">
     <mc:Choice xmlns:p14="http://schemas.microsoft.com/office/powerpoint/2010/main" Requires="p14">
-      <p:transition spd="slow" p14:dur="2000" advClick="0" advTm="0"/>
+      <p:transition spd="slow" p14:dur="2000" advClick="0" advTm="15000"/>
     </mc:Choice>
     <mc:Fallback>
-      <p:transition spd="slow" advClick="0" advTm="0"/>
+      <p:transition spd="slow" advClick="0" advTm="15000"/>
     </mc:Fallback>
   </mc:AlternateContent>
 </p:sldLayout>
@@ -5463,10 +5465,10 @@
   </p:sldLayoutIdLst>
   <mc:AlternateContent xmlns:mc="http://schemas.openxmlformats.org/markup-compatibility/2006">
     <mc:Choice xmlns:p14="http://schemas.microsoft.com/office/powerpoint/2010/main" Requires="p14">
-      <p:transition spd="slow" p14:dur="2000" advClick="0" advTm="0"/>
+      <p:transition spd="slow" p14:dur="2000" advClick="0" advTm="15000"/>
     </mc:Choice>
     <mc:Fallback>
-      <p:transition spd="slow" advClick="0" advTm="0"/>
+      <p:transition spd="slow" advClick="0" advTm="15000"/>
     </mc:Fallback>
   </mc:AlternateContent>
   <p:txStyles>
@@ -5755,6 +5757,14 @@
 <file path=ppt/slides/slide1.xml><?xml version="1.0" encoding="utf-8"?>
 <p:sld xmlns:a="http://schemas.openxmlformats.org/drawingml/2006/main" xmlns:r="http://schemas.openxmlformats.org/officeDocument/2006/relationships" xmlns:p="http://schemas.openxmlformats.org/presentationml/2006/main">
   <p:cSld>
+    <p:bg>
+      <p:bgPr>
+        <a:solidFill>
+          <a:schemeClr val="bg1"/>
+        </a:solidFill>
+        <a:effectLst/>
+      </p:bgPr>
+    </p:bg>
     <p:spTree>
       <p:nvGrpSpPr>
         <p:cNvPr id="1" name=""/>
@@ -5771,74 +5781,198 @@
       </p:grpSpPr>
       <p:sp>
         <p:nvSpPr>
-          <p:cNvPr id="2" name="Title 1">
-            <a:extLst>
-              <a:ext uri="{FF2B5EF4-FFF2-40B4-BE49-F238E27FC236}">
-                <a16:creationId xmlns:a16="http://schemas.microsoft.com/office/drawing/2014/main" id="{86902E03-951A-AF33-53C3-63A98F1AFC84}"/>
-              </a:ext>
-            </a:extLst>
-          </p:cNvPr>
-          <p:cNvSpPr>
-            <a:spLocks noGrp="1"/>
-          </p:cNvSpPr>
-          <p:nvPr>
-            <p:ph type="ctrTitle"/>
-          </p:nvPr>
-        </p:nvSpPr>
-        <p:spPr/>
-        <p:txBody>
-          <a:bodyPr/>
-          <a:lstStyle/>
-          <a:p>
-            <a:r>
-              <a:rPr lang="en-US" dirty="0"/>
-              <a:t>The roast of </a:t>
-            </a:r>
-            <a:r>
-              <a:rPr lang="en-US" dirty="0" err="1"/>
-              <a:t>techbro</a:t>
-            </a:r>
-            <a:r>
-              <a:rPr lang="en-US" dirty="0"/>
-              <a:t>-ism</a:t>
-            </a:r>
-            <a:endParaRPr lang="en-AU" dirty="0"/>
-          </a:p>
-        </p:txBody>
-      </p:sp>
-      <p:sp>
-        <p:nvSpPr>
-          <p:cNvPr id="3" name="Subtitle 2">
-            <a:extLst>
-              <a:ext uri="{FF2B5EF4-FFF2-40B4-BE49-F238E27FC236}">
-                <a16:creationId xmlns:a16="http://schemas.microsoft.com/office/drawing/2014/main" id="{B783C548-3E65-B743-A411-D4C50D4B4412}"/>
-              </a:ext>
-            </a:extLst>
-          </p:cNvPr>
-          <p:cNvSpPr>
-            <a:spLocks noGrp="1"/>
-          </p:cNvSpPr>
-          <p:nvPr>
-            <p:ph type="subTitle" idx="1"/>
-          </p:nvPr>
-        </p:nvSpPr>
-        <p:spPr/>
-        <p:txBody>
-          <a:bodyPr/>
-          <a:lstStyle/>
-          <a:p>
-            <a:r>
-              <a:rPr lang="en-US" dirty="0"/>
-              <a:t>Sarah Young</a:t>
-            </a:r>
-            <a:endParaRPr lang="en-AU" dirty="0"/>
-          </a:p>
-        </p:txBody>
-      </p:sp>
+          <p:cNvPr id="8" name="Rectangle 7">
+            <a:extLst>
+              <a:ext uri="{FF2B5EF4-FFF2-40B4-BE49-F238E27FC236}">
+                <a16:creationId xmlns:a16="http://schemas.microsoft.com/office/drawing/2014/main" id="{42A4FC2C-047E-45A5-965D-8E1E3BF09BC6}"/>
+              </a:ext>
+              <a:ext uri="{C183D7F6-B498-43B3-948B-1728B52AA6E4}">
+                <adec:decorative xmlns:adec="http://schemas.microsoft.com/office/drawing/2017/decorative" val="1"/>
+              </a:ext>
+            </a:extLst>
+          </p:cNvPr>
+          <p:cNvSpPr>
+            <a:spLocks noGrp="1" noRot="1" noChangeAspect="1" noMove="1" noResize="1" noEditPoints="1" noAdjustHandles="1" noChangeArrowheads="1" noChangeShapeType="1" noTextEdit="1"/>
+          </p:cNvSpPr>
+          <p:nvPr>
+            <p:extLst>
+              <p:ext uri="{386F3935-93C4-4BCD-93E2-E3B085C9AB24}">
+                <p16:designElem xmlns:p16="http://schemas.microsoft.com/office/powerpoint/2015/main" val="1"/>
+              </p:ext>
+            </p:extLst>
+          </p:nvPr>
+        </p:nvSpPr>
+        <p:spPr bwMode="white">
+          <a:xfrm>
+            <a:off x="1524" y="0"/>
+            <a:ext cx="12188952" cy="6858000"/>
+          </a:xfrm>
+          <a:prstGeom prst="rect">
+            <a:avLst/>
+          </a:prstGeom>
+          <a:noFill/>
+          <a:ln>
+            <a:noFill/>
+          </a:ln>
+        </p:spPr>
+        <p:style>
+          <a:lnRef idx="2">
+            <a:schemeClr val="accent1">
+              <a:shade val="50000"/>
+            </a:schemeClr>
+          </a:lnRef>
+          <a:fillRef idx="1">
+            <a:schemeClr val="accent1"/>
+          </a:fillRef>
+          <a:effectRef idx="0">
+            <a:schemeClr val="accent1"/>
+          </a:effectRef>
+          <a:fontRef idx="minor">
+            <a:schemeClr val="lt1"/>
+          </a:fontRef>
+        </p:style>
+        <p:txBody>
+          <a:bodyPr rtlCol="0" anchor="ctr"/>
+          <a:lstStyle>
+            <a:defPPr>
+              <a:defRPr lang="en-US"/>
+            </a:defPPr>
+            <a:lvl1pPr marL="0" algn="l" defTabSz="914400" rtl="0" eaLnBrk="1" latinLnBrk="0" hangingPunct="1">
+              <a:defRPr sz="1800" kern="1200">
+                <a:solidFill>
+                  <a:schemeClr val="lt1"/>
+                </a:solidFill>
+                <a:latin typeface="+mn-lt"/>
+                <a:ea typeface="+mn-ea"/>
+                <a:cs typeface="+mn-cs"/>
+              </a:defRPr>
+            </a:lvl1pPr>
+            <a:lvl2pPr marL="457200" algn="l" defTabSz="914400" rtl="0" eaLnBrk="1" latinLnBrk="0" hangingPunct="1">
+              <a:defRPr sz="1800" kern="1200">
+                <a:solidFill>
+                  <a:schemeClr val="lt1"/>
+                </a:solidFill>
+                <a:latin typeface="+mn-lt"/>
+                <a:ea typeface="+mn-ea"/>
+                <a:cs typeface="+mn-cs"/>
+              </a:defRPr>
+            </a:lvl2pPr>
+            <a:lvl3pPr marL="914400" algn="l" defTabSz="914400" rtl="0" eaLnBrk="1" latinLnBrk="0" hangingPunct="1">
+              <a:defRPr sz="1800" kern="1200">
+                <a:solidFill>
+                  <a:schemeClr val="lt1"/>
+                </a:solidFill>
+                <a:latin typeface="+mn-lt"/>
+                <a:ea typeface="+mn-ea"/>
+                <a:cs typeface="+mn-cs"/>
+              </a:defRPr>
+            </a:lvl3pPr>
+            <a:lvl4pPr marL="1371600" algn="l" defTabSz="914400" rtl="0" eaLnBrk="1" latinLnBrk="0" hangingPunct="1">
+              <a:defRPr sz="1800" kern="1200">
+                <a:solidFill>
+                  <a:schemeClr val="lt1"/>
+                </a:solidFill>
+                <a:latin typeface="+mn-lt"/>
+                <a:ea typeface="+mn-ea"/>
+                <a:cs typeface="+mn-cs"/>
+              </a:defRPr>
+            </a:lvl4pPr>
+            <a:lvl5pPr marL="1828800" algn="l" defTabSz="914400" rtl="0" eaLnBrk="1" latinLnBrk="0" hangingPunct="1">
+              <a:defRPr sz="1800" kern="1200">
+                <a:solidFill>
+                  <a:schemeClr val="lt1"/>
+                </a:solidFill>
+                <a:latin typeface="+mn-lt"/>
+                <a:ea typeface="+mn-ea"/>
+                <a:cs typeface="+mn-cs"/>
+              </a:defRPr>
+            </a:lvl5pPr>
+            <a:lvl6pPr marL="2286000" algn="l" defTabSz="914400" rtl="0" eaLnBrk="1" latinLnBrk="0" hangingPunct="1">
+              <a:defRPr sz="1800" kern="1200">
+                <a:solidFill>
+                  <a:schemeClr val="lt1"/>
+                </a:solidFill>
+                <a:latin typeface="+mn-lt"/>
+                <a:ea typeface="+mn-ea"/>
+                <a:cs typeface="+mn-cs"/>
+              </a:defRPr>
+            </a:lvl6pPr>
+            <a:lvl7pPr marL="2743200" algn="l" defTabSz="914400" rtl="0" eaLnBrk="1" latinLnBrk="0" hangingPunct="1">
+              <a:defRPr sz="1800" kern="1200">
+                <a:solidFill>
+                  <a:schemeClr val="lt1"/>
+                </a:solidFill>
+                <a:latin typeface="+mn-lt"/>
+                <a:ea typeface="+mn-ea"/>
+                <a:cs typeface="+mn-cs"/>
+              </a:defRPr>
+            </a:lvl7pPr>
+            <a:lvl8pPr marL="3200400" algn="l" defTabSz="914400" rtl="0" eaLnBrk="1" latinLnBrk="0" hangingPunct="1">
+              <a:defRPr sz="1800" kern="1200">
+                <a:solidFill>
+                  <a:schemeClr val="lt1"/>
+                </a:solidFill>
+                <a:latin typeface="+mn-lt"/>
+                <a:ea typeface="+mn-ea"/>
+                <a:cs typeface="+mn-cs"/>
+              </a:defRPr>
+            </a:lvl8pPr>
+            <a:lvl9pPr marL="3657600" algn="l" defTabSz="914400" rtl="0" eaLnBrk="1" latinLnBrk="0" hangingPunct="1">
+              <a:defRPr sz="1800" kern="1200">
+                <a:solidFill>
+                  <a:schemeClr val="lt1"/>
+                </a:solidFill>
+                <a:latin typeface="+mn-lt"/>
+                <a:ea typeface="+mn-ea"/>
+                <a:cs typeface="+mn-cs"/>
+              </a:defRPr>
+            </a:lvl9pPr>
+          </a:lstStyle>
+          <a:p>
+            <a:pPr algn="ctr"/>
+            <a:endParaRPr lang="en-US"/>
+          </a:p>
+        </p:txBody>
+      </p:sp>
+      <p:pic>
+        <p:nvPicPr>
+          <p:cNvPr id="3" name="Picture 2" descr="A screenshot of a computer&#10;&#10;Description automatically generated">
+            <a:extLst>
+              <a:ext uri="{FF2B5EF4-FFF2-40B4-BE49-F238E27FC236}">
+                <a16:creationId xmlns:a16="http://schemas.microsoft.com/office/drawing/2014/main" id="{03D6CFEA-EEEE-8399-1573-A9AEDA90E619}"/>
+              </a:ext>
+            </a:extLst>
+          </p:cNvPr>
+          <p:cNvPicPr>
+            <a:picLocks noChangeAspect="1"/>
+          </p:cNvPicPr>
+          <p:nvPr/>
+        </p:nvPicPr>
+        <p:blipFill rotWithShape="1">
+          <a:blip r:embed="rId2">
+            <a:extLst>
+              <a:ext uri="{28A0092B-C50C-407E-A947-70E740481C1C}">
+                <a14:useLocalDpi xmlns:a14="http://schemas.microsoft.com/office/drawing/2010/main" val="0"/>
+              </a:ext>
+            </a:extLst>
+          </a:blip>
+          <a:srcRect b="19"/>
+          <a:stretch/>
+        </p:blipFill>
+        <p:spPr>
+          <a:xfrm>
+            <a:off x="20" y="1282"/>
+            <a:ext cx="12191980" cy="6856718"/>
+          </a:xfrm>
+          <a:prstGeom prst="rect">
+            <a:avLst/>
+          </a:prstGeom>
+        </p:spPr>
+      </p:pic>
     </p:spTree>
     <p:extLst>
       <p:ext uri="{BB962C8B-B14F-4D97-AF65-F5344CB8AC3E}">
-        <p14:creationId xmlns:p14="http://schemas.microsoft.com/office/powerpoint/2010/main" val="3302789061"/>
+        <p14:creationId xmlns:p14="http://schemas.microsoft.com/office/powerpoint/2010/main" val="3777047218"/>
       </p:ext>
     </p:extLst>
   </p:cSld>
@@ -5847,16 +5981,143 @@
   </p:clrMapOvr>
   <mc:AlternateContent xmlns:mc="http://schemas.openxmlformats.org/markup-compatibility/2006">
     <mc:Choice xmlns:p14="http://schemas.microsoft.com/office/powerpoint/2010/main" Requires="p14">
-      <p:transition spd="slow" p14:dur="2000" advClick="0" advTm="0"/>
+      <p:transition spd="slow" p14:dur="2000" advClick="0"/>
     </mc:Choice>
     <mc:Fallback>
-      <p:transition spd="slow" advClick="0" advTm="0"/>
+      <p:transition spd="slow" advClick="0"/>
     </mc:Fallback>
   </mc:AlternateContent>
 </p:sld>
 </file>
 
 <file path=ppt/slides/slide10.xml><?xml version="1.0" encoding="utf-8"?>
+<p:sld xmlns:a="http://schemas.openxmlformats.org/drawingml/2006/main" xmlns:r="http://schemas.openxmlformats.org/officeDocument/2006/relationships" xmlns:p="http://schemas.openxmlformats.org/presentationml/2006/main">
+  <p:cSld>
+    <p:spTree>
+      <p:nvGrpSpPr>
+        <p:cNvPr id="1" name=""/>
+        <p:cNvGrpSpPr/>
+        <p:nvPr/>
+      </p:nvGrpSpPr>
+      <p:grpSpPr>
+        <a:xfrm>
+          <a:off x="0" y="0"/>
+          <a:ext cx="0" cy="0"/>
+          <a:chOff x="0" y="0"/>
+          <a:chExt cx="0" cy="0"/>
+        </a:xfrm>
+      </p:grpSpPr>
+      <p:sp>
+        <p:nvSpPr>
+          <p:cNvPr id="2" name="Title 1">
+            <a:extLst>
+              <a:ext uri="{FF2B5EF4-FFF2-40B4-BE49-F238E27FC236}">
+                <a16:creationId xmlns:a16="http://schemas.microsoft.com/office/drawing/2014/main" id="{86902E03-951A-AF33-53C3-63A98F1AFC84}"/>
+              </a:ext>
+            </a:extLst>
+          </p:cNvPr>
+          <p:cNvSpPr>
+            <a:spLocks noGrp="1"/>
+          </p:cNvSpPr>
+          <p:nvPr>
+            <p:ph type="ctrTitle"/>
+          </p:nvPr>
+        </p:nvSpPr>
+        <p:spPr>
+          <a:xfrm>
+            <a:off x="1524000" y="1922531"/>
+            <a:ext cx="9144000" cy="1841707"/>
+          </a:xfrm>
+        </p:spPr>
+        <p:txBody>
+          <a:bodyPr/>
+          <a:lstStyle/>
+          <a:p>
+            <a:r>
+              <a:rPr lang="en-US" dirty="0"/>
+              <a:t>Copilot for net worth</a:t>
+            </a:r>
+            <a:endParaRPr lang="en-AU" dirty="0"/>
+          </a:p>
+        </p:txBody>
+      </p:sp>
+      <p:sp>
+        <p:nvSpPr>
+          <p:cNvPr id="5" name="Subtitle 4">
+            <a:extLst>
+              <a:ext uri="{FF2B5EF4-FFF2-40B4-BE49-F238E27FC236}">
+                <a16:creationId xmlns:a16="http://schemas.microsoft.com/office/drawing/2014/main" id="{CB89517C-DB31-F417-53B4-E91AADC913FC}"/>
+              </a:ext>
+            </a:extLst>
+          </p:cNvPr>
+          <p:cNvSpPr>
+            <a:spLocks noGrp="1"/>
+          </p:cNvSpPr>
+          <p:nvPr>
+            <p:ph type="subTitle" idx="1"/>
+          </p:nvPr>
+        </p:nvSpPr>
+        <p:spPr/>
+        <p:txBody>
+          <a:bodyPr/>
+          <a:lstStyle/>
+          <a:p>
+            <a:endParaRPr lang="en-AU"/>
+          </a:p>
+        </p:txBody>
+      </p:sp>
+      <p:pic>
+        <p:nvPicPr>
+          <p:cNvPr id="7" name="Picture 6" descr="Cartoon character in a plane&#10;&#10;Description automatically generated">
+            <a:extLst>
+              <a:ext uri="{FF2B5EF4-FFF2-40B4-BE49-F238E27FC236}">
+                <a16:creationId xmlns:a16="http://schemas.microsoft.com/office/drawing/2014/main" id="{63151F77-50C9-B467-FC66-0D014F2A654C}"/>
+              </a:ext>
+            </a:extLst>
+          </p:cNvPr>
+          <p:cNvPicPr>
+            <a:picLocks noChangeAspect="1"/>
+          </p:cNvPicPr>
+          <p:nvPr/>
+        </p:nvPicPr>
+        <p:blipFill>
+          <a:blip r:embed="rId3"/>
+          <a:stretch>
+            <a:fillRect/>
+          </a:stretch>
+        </p:blipFill>
+        <p:spPr>
+          <a:xfrm>
+            <a:off x="2667000" y="0"/>
+            <a:ext cx="6858000" cy="6858000"/>
+          </a:xfrm>
+          <a:prstGeom prst="rect">
+            <a:avLst/>
+          </a:prstGeom>
+        </p:spPr>
+      </p:pic>
+    </p:spTree>
+    <p:extLst>
+      <p:ext uri="{BB962C8B-B14F-4D97-AF65-F5344CB8AC3E}">
+        <p14:creationId xmlns:p14="http://schemas.microsoft.com/office/powerpoint/2010/main" val="2906893585"/>
+      </p:ext>
+    </p:extLst>
+  </p:cSld>
+  <p:clrMapOvr>
+    <a:masterClrMapping/>
+  </p:clrMapOvr>
+  <mc:AlternateContent xmlns:mc="http://schemas.openxmlformats.org/markup-compatibility/2006">
+    <mc:Choice xmlns:p14="http://schemas.microsoft.com/office/powerpoint/2010/main" Requires="p14">
+      <p:transition spd="slow" p14:dur="2000" advClick="0" advTm="15000"/>
+    </mc:Choice>
+    <mc:Fallback>
+      <p:transition spd="slow" advClick="0" advTm="15000"/>
+    </mc:Fallback>
+  </mc:AlternateContent>
+</p:sld>
+</file>
+
+<file path=ppt/slides/slide11.xml><?xml version="1.0" encoding="utf-8"?>
 <p:sld xmlns:a="http://schemas.openxmlformats.org/drawingml/2006/main" xmlns:r="http://schemas.openxmlformats.org/officeDocument/2006/relationships" xmlns:p="http://schemas.openxmlformats.org/presentationml/2006/main">
   <p:cSld>
     <p:spTree>
@@ -5965,16 +6226,16 @@
   </p:clrMapOvr>
   <mc:AlternateContent xmlns:mc="http://schemas.openxmlformats.org/markup-compatibility/2006">
     <mc:Choice xmlns:p14="http://schemas.microsoft.com/office/powerpoint/2010/main" Requires="p14">
-      <p:transition spd="slow" p14:dur="2000" advClick="0" advTm="0"/>
+      <p:transition spd="slow" p14:dur="2000" advClick="0" advTm="15000"/>
     </mc:Choice>
     <mc:Fallback>
-      <p:transition spd="slow" advClick="0" advTm="0"/>
+      <p:transition spd="slow" advClick="0" advTm="15000"/>
     </mc:Fallback>
   </mc:AlternateContent>
 </p:sld>
 </file>
 
-<file path=ppt/slides/slide11.xml><?xml version="1.0" encoding="utf-8"?>
+<file path=ppt/slides/slide12.xml><?xml version="1.0" encoding="utf-8"?>
 <p:sld xmlns:a="http://schemas.openxmlformats.org/drawingml/2006/main" xmlns:r="http://schemas.openxmlformats.org/officeDocument/2006/relationships" xmlns:p="http://schemas.openxmlformats.org/presentationml/2006/main">
   <p:cSld>
     <p:spTree>
@@ -6075,84 +6336,10 @@
   </p:clrMapOvr>
   <mc:AlternateContent xmlns:mc="http://schemas.openxmlformats.org/markup-compatibility/2006">
     <mc:Choice xmlns:p14="http://schemas.microsoft.com/office/powerpoint/2010/main" Requires="p14">
-      <p:transition spd="slow" p14:dur="2000" advClick="0" advTm="0"/>
+      <p:transition spd="slow" p14:dur="2000" advClick="0" advTm="15000"/>
     </mc:Choice>
     <mc:Fallback>
-      <p:transition spd="slow" advClick="0" advTm="0"/>
-    </mc:Fallback>
-  </mc:AlternateContent>
-</p:sld>
-</file>
-
-<file path=ppt/slides/slide12.xml><?xml version="1.0" encoding="utf-8"?>
-<p:sld xmlns:a="http://schemas.openxmlformats.org/drawingml/2006/main" xmlns:r="http://schemas.openxmlformats.org/officeDocument/2006/relationships" xmlns:p="http://schemas.openxmlformats.org/presentationml/2006/main">
-  <p:cSld>
-    <p:spTree>
-      <p:nvGrpSpPr>
-        <p:cNvPr id="1" name=""/>
-        <p:cNvGrpSpPr/>
-        <p:nvPr/>
-      </p:nvGrpSpPr>
-      <p:grpSpPr>
-        <a:xfrm>
-          <a:off x="0" y="0"/>
-          <a:ext cx="0" cy="0"/>
-          <a:chOff x="0" y="0"/>
-          <a:chExt cx="0" cy="0"/>
-        </a:xfrm>
-      </p:grpSpPr>
-      <p:sp>
-        <p:nvSpPr>
-          <p:cNvPr id="2" name="Title 1">
-            <a:extLst>
-              <a:ext uri="{FF2B5EF4-FFF2-40B4-BE49-F238E27FC236}">
-                <a16:creationId xmlns:a16="http://schemas.microsoft.com/office/drawing/2014/main" id="{86902E03-951A-AF33-53C3-63A98F1AFC84}"/>
-              </a:ext>
-            </a:extLst>
-          </p:cNvPr>
-          <p:cNvSpPr>
-            <a:spLocks noGrp="1"/>
-          </p:cNvSpPr>
-          <p:nvPr>
-            <p:ph type="ctrTitle"/>
-          </p:nvPr>
-        </p:nvSpPr>
-        <p:spPr>
-          <a:xfrm>
-            <a:off x="1524000" y="2617022"/>
-            <a:ext cx="9144000" cy="1841707"/>
-          </a:xfrm>
-        </p:spPr>
-        <p:txBody>
-          <a:bodyPr>
-            <a:normAutofit fontScale="90000"/>
-          </a:bodyPr>
-          <a:lstStyle/>
-          <a:p>
-            <a:r>
-              <a:rPr lang="en-US" dirty="0"/>
-              <a:t>So, how can we stop this apocalyptic scenario from taking place?</a:t>
-            </a:r>
-            <a:endParaRPr lang="en-AU" dirty="0"/>
-          </a:p>
-        </p:txBody>
-      </p:sp>
-    </p:spTree>
-    <p:extLst>
-      <p:ext uri="{BB962C8B-B14F-4D97-AF65-F5344CB8AC3E}">
-        <p14:creationId xmlns:p14="http://schemas.microsoft.com/office/powerpoint/2010/main" val="353674611"/>
-      </p:ext>
-    </p:extLst>
-  </p:cSld>
-  <p:clrMapOvr>
-    <a:masterClrMapping/>
-  </p:clrMapOvr>
-  <mc:AlternateContent xmlns:mc="http://schemas.openxmlformats.org/markup-compatibility/2006">
-    <mc:Choice xmlns:p14="http://schemas.microsoft.com/office/powerpoint/2010/main" Requires="p14">
-      <p:transition spd="slow" p14:dur="2000" advClick="0" advTm="0"/>
-    </mc:Choice>
-    <mc:Fallback>
-      <p:transition spd="slow" advClick="0" advTm="0"/>
+      <p:transition spd="slow" advClick="0" advTm="15000"/>
     </mc:Fallback>
   </mc:AlternateContent>
 </p:sld>
@@ -6193,19 +6380,19 @@
         </p:nvSpPr>
         <p:spPr>
           <a:xfrm>
-            <a:off x="1524000" y="2042256"/>
+            <a:off x="1524000" y="2617022"/>
             <a:ext cx="9144000" cy="1841707"/>
           </a:xfrm>
         </p:spPr>
         <p:txBody>
           <a:bodyPr>
-            <a:normAutofit/>
+            <a:normAutofit fontScale="90000"/>
           </a:bodyPr>
           <a:lstStyle/>
           <a:p>
             <a:r>
               <a:rPr lang="en-US" dirty="0"/>
-              <a:t>Stop being a tech bro!</a:t>
+              <a:t>So, how can we stop this apocalyptic scenario from taking place?</a:t>
             </a:r>
             <a:endParaRPr lang="en-AU" dirty="0"/>
           </a:p>
@@ -6214,7 +6401,7 @@
     </p:spTree>
     <p:extLst>
       <p:ext uri="{BB962C8B-B14F-4D97-AF65-F5344CB8AC3E}">
-        <p14:creationId xmlns:p14="http://schemas.microsoft.com/office/powerpoint/2010/main" val="4129401842"/>
+        <p14:creationId xmlns:p14="http://schemas.microsoft.com/office/powerpoint/2010/main" val="353674611"/>
       </p:ext>
     </p:extLst>
   </p:cSld>
@@ -6223,10 +6410,10 @@
   </p:clrMapOvr>
   <mc:AlternateContent xmlns:mc="http://schemas.openxmlformats.org/markup-compatibility/2006">
     <mc:Choice xmlns:p14="http://schemas.microsoft.com/office/powerpoint/2010/main" Requires="p14">
-      <p:transition spd="slow" p14:dur="2000" advClick="0" advTm="0"/>
+      <p:transition spd="slow" p14:dur="2000" advClick="0" advTm="15000"/>
     </mc:Choice>
     <mc:Fallback>
-      <p:transition spd="slow" advClick="0" advTm="0"/>
+      <p:transition spd="slow" advClick="0" advTm="15000"/>
     </mc:Fallback>
   </mc:AlternateContent>
 </p:sld>
@@ -6279,7 +6466,7 @@
           <a:p>
             <a:r>
               <a:rPr lang="en-US" dirty="0"/>
-              <a:t>Stop flexing about your TC</a:t>
+              <a:t>Stop being a tech bro!</a:t>
             </a:r>
             <a:endParaRPr lang="en-AU" dirty="0"/>
           </a:p>
@@ -6288,7 +6475,7 @@
     </p:spTree>
     <p:extLst>
       <p:ext uri="{BB962C8B-B14F-4D97-AF65-F5344CB8AC3E}">
-        <p14:creationId xmlns:p14="http://schemas.microsoft.com/office/powerpoint/2010/main" val="3905187816"/>
+        <p14:creationId xmlns:p14="http://schemas.microsoft.com/office/powerpoint/2010/main" val="4129401842"/>
       </p:ext>
     </p:extLst>
   </p:cSld>
@@ -6297,10 +6484,10 @@
   </p:clrMapOvr>
   <mc:AlternateContent xmlns:mc="http://schemas.openxmlformats.org/markup-compatibility/2006">
     <mc:Choice xmlns:p14="http://schemas.microsoft.com/office/powerpoint/2010/main" Requires="p14">
-      <p:transition spd="slow" p14:dur="2000" advClick="0" advTm="0"/>
+      <p:transition spd="slow" p14:dur="2000" advClick="0" advTm="15000"/>
     </mc:Choice>
     <mc:Fallback>
-      <p:transition spd="slow" advClick="0" advTm="0"/>
+      <p:transition spd="slow" advClick="0" advTm="15000"/>
     </mc:Fallback>
   </mc:AlternateContent>
 </p:sld>
@@ -6341,19 +6528,19 @@
         </p:nvSpPr>
         <p:spPr>
           <a:xfrm>
-            <a:off x="1524000" y="2738942"/>
+            <a:off x="1524000" y="2042256"/>
             <a:ext cx="9144000" cy="1841707"/>
           </a:xfrm>
         </p:spPr>
         <p:txBody>
           <a:bodyPr>
-            <a:normAutofit fontScale="90000"/>
+            <a:normAutofit/>
           </a:bodyPr>
           <a:lstStyle/>
           <a:p>
             <a:r>
               <a:rPr lang="en-US" dirty="0"/>
-              <a:t>Take your noise cancelling headphones off and speak to people</a:t>
+              <a:t>Stop flexing about your TC</a:t>
             </a:r>
             <a:endParaRPr lang="en-AU" dirty="0"/>
           </a:p>
@@ -6362,7 +6549,7 @@
     </p:spTree>
     <p:extLst>
       <p:ext uri="{BB962C8B-B14F-4D97-AF65-F5344CB8AC3E}">
-        <p14:creationId xmlns:p14="http://schemas.microsoft.com/office/powerpoint/2010/main" val="1648929299"/>
+        <p14:creationId xmlns:p14="http://schemas.microsoft.com/office/powerpoint/2010/main" val="3905187816"/>
       </p:ext>
     </p:extLst>
   </p:cSld>
@@ -6371,10 +6558,10 @@
   </p:clrMapOvr>
   <mc:AlternateContent xmlns:mc="http://schemas.openxmlformats.org/markup-compatibility/2006">
     <mc:Choice xmlns:p14="http://schemas.microsoft.com/office/powerpoint/2010/main" Requires="p14">
-      <p:transition spd="slow" p14:dur="2000" advClick="0" advTm="0"/>
+      <p:transition spd="slow" p14:dur="2000" advClick="0" advTm="15000"/>
     </mc:Choice>
     <mc:Fallback>
-      <p:transition spd="slow" advClick="0" advTm="0"/>
+      <p:transition spd="slow" advClick="0" advTm="15000"/>
     </mc:Fallback>
   </mc:AlternateContent>
 </p:sld>
@@ -6415,7 +6602,7 @@
         </p:nvSpPr>
         <p:spPr>
           <a:xfrm>
-            <a:off x="1524000" y="2508146"/>
+            <a:off x="1524000" y="2738942"/>
             <a:ext cx="9144000" cy="1841707"/>
           </a:xfrm>
         </p:spPr>
@@ -6427,7 +6614,7 @@
           <a:p>
             <a:r>
               <a:rPr lang="en-US" dirty="0"/>
-              <a:t>Go out into the real world and get some non tech friends</a:t>
+              <a:t>Take your noise cancelling headphones off and speak to people</a:t>
             </a:r>
             <a:endParaRPr lang="en-AU" dirty="0"/>
           </a:p>
@@ -6436,7 +6623,7 @@
     </p:spTree>
     <p:extLst>
       <p:ext uri="{BB962C8B-B14F-4D97-AF65-F5344CB8AC3E}">
-        <p14:creationId xmlns:p14="http://schemas.microsoft.com/office/powerpoint/2010/main" val="793899123"/>
+        <p14:creationId xmlns:p14="http://schemas.microsoft.com/office/powerpoint/2010/main" val="1648929299"/>
       </p:ext>
     </p:extLst>
   </p:cSld>
@@ -6445,10 +6632,10 @@
   </p:clrMapOvr>
   <mc:AlternateContent xmlns:mc="http://schemas.openxmlformats.org/markup-compatibility/2006">
     <mc:Choice xmlns:p14="http://schemas.microsoft.com/office/powerpoint/2010/main" Requires="p14">
-      <p:transition spd="slow" p14:dur="2000" advClick="0" advTm="0"/>
+      <p:transition spd="slow" p14:dur="2000" advClick="0" advTm="15000"/>
     </mc:Choice>
     <mc:Fallback>
-      <p:transition spd="slow" advClick="0" advTm="0"/>
+      <p:transition spd="slow" advClick="0" advTm="15000"/>
     </mc:Fallback>
   </mc:AlternateContent>
 </p:sld>
@@ -6473,108 +6660,44 @@
       </p:grpSpPr>
       <p:sp>
         <p:nvSpPr>
-          <p:cNvPr id="3" name="AutoShape 2" descr="create an image of a sign that says &quot;free 2034 from techbro-ism&quot;. Image 4 of 4">
-            <a:extLst>
-              <a:ext uri="{FF2B5EF4-FFF2-40B4-BE49-F238E27FC236}">
-                <a16:creationId xmlns:a16="http://schemas.microsoft.com/office/drawing/2014/main" id="{691B34A5-8A05-0126-7DB1-24C8A99BF6D5}"/>
-              </a:ext>
-            </a:extLst>
-          </p:cNvPr>
-          <p:cNvSpPr>
-            <a:spLocks noChangeAspect="1" noChangeArrowheads="1"/>
-          </p:cNvSpPr>
-          <p:nvPr/>
-        </p:nvSpPr>
-        <p:spPr bwMode="auto">
-          <a:xfrm>
-            <a:off x="5943600" y="3276600"/>
-            <a:ext cx="304800" cy="304800"/>
-          </a:xfrm>
-          <a:prstGeom prst="rect">
-            <a:avLst/>
-          </a:prstGeom>
-          <a:noFill/>
-          <a:extLst>
-            <a:ext uri="{909E8E84-426E-40DD-AFC4-6F175D3DCCD1}">
-              <a14:hiddenFill xmlns:a14="http://schemas.microsoft.com/office/drawing/2010/main">
-                <a:solidFill>
-                  <a:srgbClr val="FFFFFF"/>
-                </a:solidFill>
-              </a14:hiddenFill>
-            </a:ext>
-          </a:extLst>
-        </p:spPr>
-        <p:txBody>
-          <a:bodyPr vert="horz" wrap="square" lIns="91440" tIns="45720" rIns="91440" bIns="45720" numCol="1" anchor="t" anchorCtr="0" compatLnSpc="1">
-            <a:prstTxWarp prst="textNoShape">
-              <a:avLst/>
-            </a:prstTxWarp>
-          </a:bodyPr>
-          <a:lstStyle/>
-          <a:p>
-            <a:endParaRPr lang="en-AU"/>
-          </a:p>
-        </p:txBody>
-      </p:sp>
-      <p:pic>
-        <p:nvPicPr>
-          <p:cNvPr id="6" name="Picture 5" descr="A sign with text on it&#10;&#10;Description automatically generated">
-            <a:extLst>
-              <a:ext uri="{FF2B5EF4-FFF2-40B4-BE49-F238E27FC236}">
-                <a16:creationId xmlns:a16="http://schemas.microsoft.com/office/drawing/2014/main" id="{7DF0210A-950D-484A-7B2D-F91607CCABC1}"/>
-              </a:ext>
-            </a:extLst>
-          </p:cNvPr>
-          <p:cNvPicPr>
-            <a:picLocks noChangeAspect="1"/>
-          </p:cNvPicPr>
-          <p:nvPr/>
-        </p:nvPicPr>
-        <p:blipFill>
-          <a:blip r:embed="rId3"/>
-          <a:stretch>
-            <a:fillRect/>
-          </a:stretch>
-        </p:blipFill>
+          <p:cNvPr id="2" name="Title 1">
+            <a:extLst>
+              <a:ext uri="{FF2B5EF4-FFF2-40B4-BE49-F238E27FC236}">
+                <a16:creationId xmlns:a16="http://schemas.microsoft.com/office/drawing/2014/main" id="{86902E03-951A-AF33-53C3-63A98F1AFC84}"/>
+              </a:ext>
+            </a:extLst>
+          </p:cNvPr>
+          <p:cNvSpPr>
+            <a:spLocks noGrp="1"/>
+          </p:cNvSpPr>
+          <p:nvPr>
+            <p:ph type="ctrTitle"/>
+          </p:nvPr>
+        </p:nvSpPr>
         <p:spPr>
           <a:xfrm>
-            <a:off x="2667000" y="0"/>
-            <a:ext cx="6858000" cy="6858000"/>
+            <a:off x="1524000" y="2508146"/>
+            <a:ext cx="9144000" cy="1841707"/>
           </a:xfrm>
-          <a:prstGeom prst="rect">
-            <a:avLst/>
-          </a:prstGeom>
         </p:spPr>
-      </p:pic>
-      <p:sp>
-        <p:nvSpPr>
-          <p:cNvPr id="8" name="Title 7">
-            <a:extLst>
-              <a:ext uri="{FF2B5EF4-FFF2-40B4-BE49-F238E27FC236}">
-                <a16:creationId xmlns:a16="http://schemas.microsoft.com/office/drawing/2014/main" id="{366E18CB-DF11-6FC1-F66C-5450763233B2}"/>
-              </a:ext>
-            </a:extLst>
-          </p:cNvPr>
-          <p:cNvSpPr>
-            <a:spLocks noGrp="1"/>
-          </p:cNvSpPr>
-          <p:nvPr>
-            <p:ph type="ctrTitle"/>
-          </p:nvPr>
-        </p:nvSpPr>
-        <p:spPr/>
-        <p:txBody>
-          <a:bodyPr/>
-          <a:lstStyle/>
-          <a:p>
-            <a:endParaRPr lang="en-AU"/>
+        <p:txBody>
+          <a:bodyPr>
+            <a:normAutofit fontScale="90000"/>
+          </a:bodyPr>
+          <a:lstStyle/>
+          <a:p>
+            <a:r>
+              <a:rPr lang="en-US" dirty="0"/>
+              <a:t>Go out into the real world and get some non tech friends</a:t>
+            </a:r>
+            <a:endParaRPr lang="en-AU" dirty="0"/>
           </a:p>
         </p:txBody>
       </p:sp>
     </p:spTree>
     <p:extLst>
       <p:ext uri="{BB962C8B-B14F-4D97-AF65-F5344CB8AC3E}">
-        <p14:creationId xmlns:p14="http://schemas.microsoft.com/office/powerpoint/2010/main" val="1866750733"/>
+        <p14:creationId xmlns:p14="http://schemas.microsoft.com/office/powerpoint/2010/main" val="793899123"/>
       </p:ext>
     </p:extLst>
   </p:cSld>
@@ -6583,10 +6706,10 @@
   </p:clrMapOvr>
   <mc:AlternateContent xmlns:mc="http://schemas.openxmlformats.org/markup-compatibility/2006">
     <mc:Choice xmlns:p14="http://schemas.microsoft.com/office/powerpoint/2010/main" Requires="p14">
-      <p:transition spd="slow" p14:dur="2000" advClick="0" advTm="0"/>
+      <p:transition spd="slow" p14:dur="2000" advClick="0" advTm="15000"/>
     </mc:Choice>
     <mc:Fallback>
-      <p:transition spd="slow" advClick="0" advTm="0"/>
+      <p:transition spd="slow" advClick="0" advTm="15000"/>
     </mc:Fallback>
   </mc:AlternateContent>
 </p:sld>
@@ -6611,44 +6734,108 @@
       </p:grpSpPr>
       <p:sp>
         <p:nvSpPr>
-          <p:cNvPr id="2" name="Title 1">
-            <a:extLst>
-              <a:ext uri="{FF2B5EF4-FFF2-40B4-BE49-F238E27FC236}">
-                <a16:creationId xmlns:a16="http://schemas.microsoft.com/office/drawing/2014/main" id="{86902E03-951A-AF33-53C3-63A98F1AFC84}"/>
-              </a:ext>
-            </a:extLst>
-          </p:cNvPr>
-          <p:cNvSpPr>
-            <a:spLocks noGrp="1"/>
-          </p:cNvSpPr>
-          <p:nvPr>
-            <p:ph type="ctrTitle"/>
-          </p:nvPr>
-        </p:nvSpPr>
+          <p:cNvPr id="3" name="AutoShape 2" descr="create an image of a sign that says &quot;free 2034 from techbro-ism&quot;. Image 4 of 4">
+            <a:extLst>
+              <a:ext uri="{FF2B5EF4-FFF2-40B4-BE49-F238E27FC236}">
+                <a16:creationId xmlns:a16="http://schemas.microsoft.com/office/drawing/2014/main" id="{691B34A5-8A05-0126-7DB1-24C8A99BF6D5}"/>
+              </a:ext>
+            </a:extLst>
+          </p:cNvPr>
+          <p:cNvSpPr>
+            <a:spLocks noChangeAspect="1" noChangeArrowheads="1"/>
+          </p:cNvSpPr>
+          <p:nvPr/>
+        </p:nvSpPr>
+        <p:spPr bwMode="auto">
+          <a:xfrm>
+            <a:off x="5943600" y="3276600"/>
+            <a:ext cx="304800" cy="304800"/>
+          </a:xfrm>
+          <a:prstGeom prst="rect">
+            <a:avLst/>
+          </a:prstGeom>
+          <a:noFill/>
+          <a:extLst>
+            <a:ext uri="{909E8E84-426E-40DD-AFC4-6F175D3DCCD1}">
+              <a14:hiddenFill xmlns:a14="http://schemas.microsoft.com/office/drawing/2010/main">
+                <a:solidFill>
+                  <a:srgbClr val="FFFFFF"/>
+                </a:solidFill>
+              </a14:hiddenFill>
+            </a:ext>
+          </a:extLst>
+        </p:spPr>
+        <p:txBody>
+          <a:bodyPr vert="horz" wrap="square" lIns="91440" tIns="45720" rIns="91440" bIns="45720" numCol="1" anchor="t" anchorCtr="0" compatLnSpc="1">
+            <a:prstTxWarp prst="textNoShape">
+              <a:avLst/>
+            </a:prstTxWarp>
+          </a:bodyPr>
+          <a:lstStyle/>
+          <a:p>
+            <a:endParaRPr lang="en-AU"/>
+          </a:p>
+        </p:txBody>
+      </p:sp>
+      <p:pic>
+        <p:nvPicPr>
+          <p:cNvPr id="6" name="Picture 5" descr="A sign with text on it&#10;&#10;Description automatically generated">
+            <a:extLst>
+              <a:ext uri="{FF2B5EF4-FFF2-40B4-BE49-F238E27FC236}">
+                <a16:creationId xmlns:a16="http://schemas.microsoft.com/office/drawing/2014/main" id="{7DF0210A-950D-484A-7B2D-F91607CCABC1}"/>
+              </a:ext>
+            </a:extLst>
+          </p:cNvPr>
+          <p:cNvPicPr>
+            <a:picLocks noChangeAspect="1"/>
+          </p:cNvPicPr>
+          <p:nvPr/>
+        </p:nvPicPr>
+        <p:blipFill>
+          <a:blip r:embed="rId3"/>
+          <a:stretch>
+            <a:fillRect/>
+          </a:stretch>
+        </p:blipFill>
         <p:spPr>
           <a:xfrm>
-            <a:off x="1524000" y="3429000"/>
-            <a:ext cx="9144000" cy="1841707"/>
+            <a:off x="2667000" y="0"/>
+            <a:ext cx="6858000" cy="6858000"/>
           </a:xfrm>
+          <a:prstGeom prst="rect">
+            <a:avLst/>
+          </a:prstGeom>
         </p:spPr>
-        <p:txBody>
-          <a:bodyPr>
-            <a:normAutofit fontScale="90000"/>
-          </a:bodyPr>
-          <a:lstStyle/>
-          <a:p>
-            <a:r>
-              <a:rPr lang="en-US" dirty="0"/>
-              <a:t>Remember that most folks in tech are very privileged compared with your average person and we sometimes forget that</a:t>
-            </a:r>
-            <a:endParaRPr lang="en-AU" dirty="0"/>
+      </p:pic>
+      <p:sp>
+        <p:nvSpPr>
+          <p:cNvPr id="8" name="Title 7">
+            <a:extLst>
+              <a:ext uri="{FF2B5EF4-FFF2-40B4-BE49-F238E27FC236}">
+                <a16:creationId xmlns:a16="http://schemas.microsoft.com/office/drawing/2014/main" id="{366E18CB-DF11-6FC1-F66C-5450763233B2}"/>
+              </a:ext>
+            </a:extLst>
+          </p:cNvPr>
+          <p:cNvSpPr>
+            <a:spLocks noGrp="1"/>
+          </p:cNvSpPr>
+          <p:nvPr>
+            <p:ph type="ctrTitle"/>
+          </p:nvPr>
+        </p:nvSpPr>
+        <p:spPr/>
+        <p:txBody>
+          <a:bodyPr/>
+          <a:lstStyle/>
+          <a:p>
+            <a:endParaRPr lang="en-AU"/>
           </a:p>
         </p:txBody>
       </p:sp>
     </p:spTree>
     <p:extLst>
       <p:ext uri="{BB962C8B-B14F-4D97-AF65-F5344CB8AC3E}">
-        <p14:creationId xmlns:p14="http://schemas.microsoft.com/office/powerpoint/2010/main" val="671498628"/>
+        <p14:creationId xmlns:p14="http://schemas.microsoft.com/office/powerpoint/2010/main" val="1866750733"/>
       </p:ext>
     </p:extLst>
   </p:cSld>
@@ -6657,10 +6844,10 @@
   </p:clrMapOvr>
   <mc:AlternateContent xmlns:mc="http://schemas.openxmlformats.org/markup-compatibility/2006">
     <mc:Choice xmlns:p14="http://schemas.microsoft.com/office/powerpoint/2010/main" Requires="p14">
-      <p:transition spd="slow" p14:dur="2000" advClick="0" advTm="0"/>
+      <p:transition spd="slow" p14:dur="2000" advClick="0" advTm="15000"/>
     </mc:Choice>
     <mc:Fallback>
-      <p:transition spd="slow" advClick="0" advTm="0"/>
+      <p:transition spd="slow" advClick="0" advTm="15000"/>
     </mc:Fallback>
   </mc:AlternateContent>
 </p:sld>
@@ -6701,6 +6888,184 @@
         </p:nvSpPr>
         <p:spPr>
           <a:xfrm>
+            <a:off x="1524000" y="3429000"/>
+            <a:ext cx="9144000" cy="1841707"/>
+          </a:xfrm>
+        </p:spPr>
+        <p:txBody>
+          <a:bodyPr>
+            <a:normAutofit fontScale="90000"/>
+          </a:bodyPr>
+          <a:lstStyle/>
+          <a:p>
+            <a:r>
+              <a:rPr lang="en-US" dirty="0"/>
+              <a:t>Remember that most folks in tech are very privileged compared with your average person and we sometimes forget that</a:t>
+            </a:r>
+            <a:endParaRPr lang="en-AU" dirty="0"/>
+          </a:p>
+        </p:txBody>
+      </p:sp>
+    </p:spTree>
+    <p:extLst>
+      <p:ext uri="{BB962C8B-B14F-4D97-AF65-F5344CB8AC3E}">
+        <p14:creationId xmlns:p14="http://schemas.microsoft.com/office/powerpoint/2010/main" val="671498628"/>
+      </p:ext>
+    </p:extLst>
+  </p:cSld>
+  <p:clrMapOvr>
+    <a:masterClrMapping/>
+  </p:clrMapOvr>
+  <mc:AlternateContent xmlns:mc="http://schemas.openxmlformats.org/markup-compatibility/2006">
+    <mc:Choice xmlns:p14="http://schemas.microsoft.com/office/powerpoint/2010/main" Requires="p14">
+      <p:transition spd="slow" p14:dur="2000" advClick="0" advTm="15000"/>
+    </mc:Choice>
+    <mc:Fallback>
+      <p:transition spd="slow" advClick="0" advTm="15000"/>
+    </mc:Fallback>
+  </mc:AlternateContent>
+</p:sld>
+</file>
+
+<file path=ppt/slides/slide2.xml><?xml version="1.0" encoding="utf-8"?>
+<p:sld xmlns:a="http://schemas.openxmlformats.org/drawingml/2006/main" xmlns:r="http://schemas.openxmlformats.org/officeDocument/2006/relationships" xmlns:p="http://schemas.openxmlformats.org/presentationml/2006/main">
+  <p:cSld>
+    <p:spTree>
+      <p:nvGrpSpPr>
+        <p:cNvPr id="1" name=""/>
+        <p:cNvGrpSpPr/>
+        <p:nvPr/>
+      </p:nvGrpSpPr>
+      <p:grpSpPr>
+        <a:xfrm>
+          <a:off x="0" y="0"/>
+          <a:ext cx="0" cy="0"/>
+          <a:chOff x="0" y="0"/>
+          <a:chExt cx="0" cy="0"/>
+        </a:xfrm>
+      </p:grpSpPr>
+      <p:sp>
+        <p:nvSpPr>
+          <p:cNvPr id="2" name="Title 1">
+            <a:extLst>
+              <a:ext uri="{FF2B5EF4-FFF2-40B4-BE49-F238E27FC236}">
+                <a16:creationId xmlns:a16="http://schemas.microsoft.com/office/drawing/2014/main" id="{86902E03-951A-AF33-53C3-63A98F1AFC84}"/>
+              </a:ext>
+            </a:extLst>
+          </p:cNvPr>
+          <p:cNvSpPr>
+            <a:spLocks noGrp="1"/>
+          </p:cNvSpPr>
+          <p:nvPr>
+            <p:ph type="ctrTitle"/>
+          </p:nvPr>
+        </p:nvSpPr>
+        <p:spPr/>
+        <p:txBody>
+          <a:bodyPr/>
+          <a:lstStyle/>
+          <a:p>
+            <a:r>
+              <a:rPr lang="en-US" dirty="0"/>
+              <a:t>The roast of </a:t>
+            </a:r>
+            <a:r>
+              <a:rPr lang="en-US" dirty="0" err="1"/>
+              <a:t>techbro</a:t>
+            </a:r>
+            <a:r>
+              <a:rPr lang="en-US" dirty="0"/>
+              <a:t>-ism</a:t>
+            </a:r>
+            <a:endParaRPr lang="en-AU" dirty="0"/>
+          </a:p>
+        </p:txBody>
+      </p:sp>
+      <p:sp>
+        <p:nvSpPr>
+          <p:cNvPr id="3" name="Subtitle 2">
+            <a:extLst>
+              <a:ext uri="{FF2B5EF4-FFF2-40B4-BE49-F238E27FC236}">
+                <a16:creationId xmlns:a16="http://schemas.microsoft.com/office/drawing/2014/main" id="{B783C548-3E65-B743-A411-D4C50D4B4412}"/>
+              </a:ext>
+            </a:extLst>
+          </p:cNvPr>
+          <p:cNvSpPr>
+            <a:spLocks noGrp="1"/>
+          </p:cNvSpPr>
+          <p:nvPr>
+            <p:ph type="subTitle" idx="1"/>
+          </p:nvPr>
+        </p:nvSpPr>
+        <p:spPr/>
+        <p:txBody>
+          <a:bodyPr/>
+          <a:lstStyle/>
+          <a:p>
+            <a:r>
+              <a:rPr lang="en-US" dirty="0"/>
+              <a:t>Sarah Young</a:t>
+            </a:r>
+            <a:endParaRPr lang="en-AU" dirty="0"/>
+          </a:p>
+        </p:txBody>
+      </p:sp>
+    </p:spTree>
+    <p:extLst>
+      <p:ext uri="{BB962C8B-B14F-4D97-AF65-F5344CB8AC3E}">
+        <p14:creationId xmlns:p14="http://schemas.microsoft.com/office/powerpoint/2010/main" val="3302789061"/>
+      </p:ext>
+    </p:extLst>
+  </p:cSld>
+  <p:clrMapOvr>
+    <a:masterClrMapping/>
+  </p:clrMapOvr>
+  <mc:AlternateContent xmlns:mc="http://schemas.openxmlformats.org/markup-compatibility/2006">
+    <mc:Choice xmlns:p14="http://schemas.microsoft.com/office/powerpoint/2010/main" Requires="p14">
+      <p:transition spd="slow" p14:dur="2000" advClick="0" advTm="15000"/>
+    </mc:Choice>
+    <mc:Fallback>
+      <p:transition spd="slow" advClick="0" advTm="15000"/>
+    </mc:Fallback>
+  </mc:AlternateContent>
+</p:sld>
+</file>
+
+<file path=ppt/slides/slide20.xml><?xml version="1.0" encoding="utf-8"?>
+<p:sld xmlns:a="http://schemas.openxmlformats.org/drawingml/2006/main" xmlns:r="http://schemas.openxmlformats.org/officeDocument/2006/relationships" xmlns:p="http://schemas.openxmlformats.org/presentationml/2006/main">
+  <p:cSld>
+    <p:spTree>
+      <p:nvGrpSpPr>
+        <p:cNvPr id="1" name=""/>
+        <p:cNvGrpSpPr/>
+        <p:nvPr/>
+      </p:nvGrpSpPr>
+      <p:grpSpPr>
+        <a:xfrm>
+          <a:off x="0" y="0"/>
+          <a:ext cx="0" cy="0"/>
+          <a:chOff x="0" y="0"/>
+          <a:chExt cx="0" cy="0"/>
+        </a:xfrm>
+      </p:grpSpPr>
+      <p:sp>
+        <p:nvSpPr>
+          <p:cNvPr id="2" name="Title 1">
+            <a:extLst>
+              <a:ext uri="{FF2B5EF4-FFF2-40B4-BE49-F238E27FC236}">
+                <a16:creationId xmlns:a16="http://schemas.microsoft.com/office/drawing/2014/main" id="{86902E03-951A-AF33-53C3-63A98F1AFC84}"/>
+              </a:ext>
+            </a:extLst>
+          </p:cNvPr>
+          <p:cNvSpPr>
+            <a:spLocks noGrp="1"/>
+          </p:cNvSpPr>
+          <p:nvPr>
+            <p:ph type="ctrTitle"/>
+          </p:nvPr>
+        </p:nvSpPr>
+        <p:spPr>
+          <a:xfrm>
             <a:off x="1524000" y="3150326"/>
             <a:ext cx="9144000" cy="1841707"/>
           </a:xfrm>
@@ -6731,16 +7096,549 @@
   </p:clrMapOvr>
   <mc:AlternateContent xmlns:mc="http://schemas.openxmlformats.org/markup-compatibility/2006">
     <mc:Choice xmlns:p14="http://schemas.microsoft.com/office/powerpoint/2010/main" Requires="p14">
-      <p:transition spd="slow" p14:dur="2000" advClick="0" advTm="0"/>
+      <p:transition spd="slow" p14:dur="2000" advClick="0" advTm="15000"/>
     </mc:Choice>
     <mc:Fallback>
-      <p:transition spd="slow" advClick="0" advTm="0"/>
+      <p:transition spd="slow" advClick="0" advTm="15000"/>
     </mc:Fallback>
   </mc:AlternateContent>
 </p:sld>
 </file>
 
-<file path=ppt/slides/slide2.xml><?xml version="1.0" encoding="utf-8"?>
+<file path=ppt/slides/slide21.xml><?xml version="1.0" encoding="utf-8"?>
+<p:sld xmlns:a="http://schemas.openxmlformats.org/drawingml/2006/main" xmlns:r="http://schemas.openxmlformats.org/officeDocument/2006/relationships" xmlns:p="http://schemas.openxmlformats.org/presentationml/2006/main">
+  <p:cSld>
+    <p:spTree>
+      <p:nvGrpSpPr>
+        <p:cNvPr id="1" name=""/>
+        <p:cNvGrpSpPr/>
+        <p:nvPr/>
+      </p:nvGrpSpPr>
+      <p:grpSpPr>
+        <a:xfrm>
+          <a:off x="0" y="0"/>
+          <a:ext cx="0" cy="0"/>
+          <a:chOff x="0" y="0"/>
+          <a:chExt cx="0" cy="0"/>
+        </a:xfrm>
+      </p:grpSpPr>
+      <p:sp>
+        <p:nvSpPr>
+          <p:cNvPr id="2" name="Title 1">
+            <a:extLst>
+              <a:ext uri="{FF2B5EF4-FFF2-40B4-BE49-F238E27FC236}">
+                <a16:creationId xmlns:a16="http://schemas.microsoft.com/office/drawing/2014/main" id="{86902E03-951A-AF33-53C3-63A98F1AFC84}"/>
+              </a:ext>
+            </a:extLst>
+          </p:cNvPr>
+          <p:cNvSpPr>
+            <a:spLocks noGrp="1"/>
+          </p:cNvSpPr>
+          <p:nvPr>
+            <p:ph type="ctrTitle"/>
+          </p:nvPr>
+        </p:nvSpPr>
+        <p:spPr>
+          <a:xfrm>
+            <a:off x="1524000" y="2914183"/>
+            <a:ext cx="9144000" cy="1029633"/>
+          </a:xfrm>
+        </p:spPr>
+        <p:txBody>
+          <a:bodyPr>
+            <a:normAutofit/>
+          </a:bodyPr>
+          <a:lstStyle/>
+          <a:p>
+            <a:r>
+              <a:rPr lang="en-US" dirty="0"/>
+              <a:t>Thank you, </a:t>
+            </a:r>
+            <a:r>
+              <a:rPr lang="en-US" dirty="0" err="1"/>
+              <a:t>PubConf</a:t>
+            </a:r>
+            <a:r>
+              <a:rPr lang="en-US" dirty="0"/>
+              <a:t>! *</a:t>
+            </a:r>
+            <a:endParaRPr lang="en-AU" dirty="0"/>
+          </a:p>
+        </p:txBody>
+      </p:sp>
+      <p:sp>
+        <p:nvSpPr>
+          <p:cNvPr id="3" name="Subtitle 2">
+            <a:extLst>
+              <a:ext uri="{FF2B5EF4-FFF2-40B4-BE49-F238E27FC236}">
+                <a16:creationId xmlns:a16="http://schemas.microsoft.com/office/drawing/2014/main" id="{FBC5F8B3-E1C2-F6BF-2611-EB764D6AFB18}"/>
+              </a:ext>
+            </a:extLst>
+          </p:cNvPr>
+          <p:cNvSpPr txBox="1">
+            <a:spLocks/>
+          </p:cNvSpPr>
+          <p:nvPr/>
+        </p:nvSpPr>
+        <p:spPr>
+          <a:xfrm>
+            <a:off x="261256" y="6165610"/>
+            <a:ext cx="11930743" cy="435488"/>
+          </a:xfrm>
+          <a:prstGeom prst="rect">
+            <a:avLst/>
+          </a:prstGeom>
+        </p:spPr>
+        <p:txBody>
+          <a:bodyPr vert="horz" lIns="91440" tIns="45720" rIns="91440" bIns="45720" rtlCol="0">
+            <a:normAutofit fontScale="70000" lnSpcReduction="20000"/>
+          </a:bodyPr>
+          <a:lstStyle>
+            <a:lvl1pPr marL="0" indent="0" algn="ctr" defTabSz="914400" rtl="0" eaLnBrk="1" latinLnBrk="0" hangingPunct="1">
+              <a:lnSpc>
+                <a:spcPct val="90000"/>
+              </a:lnSpc>
+              <a:spcBef>
+                <a:spcPts val="1000"/>
+              </a:spcBef>
+              <a:buFont typeface="Arial" panose="020B0604020202020204" pitchFamily="34" charset="0"/>
+              <a:buNone/>
+              <a:defRPr sz="2400" kern="1200">
+                <a:solidFill>
+                  <a:schemeClr val="tx1"/>
+                </a:solidFill>
+                <a:latin typeface="+mn-lt"/>
+                <a:ea typeface="+mn-ea"/>
+                <a:cs typeface="+mn-cs"/>
+              </a:defRPr>
+            </a:lvl1pPr>
+            <a:lvl2pPr marL="457200" indent="0" algn="ctr" defTabSz="914400" rtl="0" eaLnBrk="1" latinLnBrk="0" hangingPunct="1">
+              <a:lnSpc>
+                <a:spcPct val="90000"/>
+              </a:lnSpc>
+              <a:spcBef>
+                <a:spcPts val="500"/>
+              </a:spcBef>
+              <a:buFont typeface="Arial" panose="020B0604020202020204" pitchFamily="34" charset="0"/>
+              <a:buNone/>
+              <a:defRPr sz="2000" kern="1200">
+                <a:solidFill>
+                  <a:schemeClr val="tx1"/>
+                </a:solidFill>
+                <a:latin typeface="+mn-lt"/>
+                <a:ea typeface="+mn-ea"/>
+                <a:cs typeface="+mn-cs"/>
+              </a:defRPr>
+            </a:lvl2pPr>
+            <a:lvl3pPr marL="914400" indent="0" algn="ctr" defTabSz="914400" rtl="0" eaLnBrk="1" latinLnBrk="0" hangingPunct="1">
+              <a:lnSpc>
+                <a:spcPct val="90000"/>
+              </a:lnSpc>
+              <a:spcBef>
+                <a:spcPts val="500"/>
+              </a:spcBef>
+              <a:buFont typeface="Arial" panose="020B0604020202020204" pitchFamily="34" charset="0"/>
+              <a:buNone/>
+              <a:defRPr sz="1800" kern="1200">
+                <a:solidFill>
+                  <a:schemeClr val="tx1"/>
+                </a:solidFill>
+                <a:latin typeface="+mn-lt"/>
+                <a:ea typeface="+mn-ea"/>
+                <a:cs typeface="+mn-cs"/>
+              </a:defRPr>
+            </a:lvl3pPr>
+            <a:lvl4pPr marL="1371600" indent="0" algn="ctr" defTabSz="914400" rtl="0" eaLnBrk="1" latinLnBrk="0" hangingPunct="1">
+              <a:lnSpc>
+                <a:spcPct val="90000"/>
+              </a:lnSpc>
+              <a:spcBef>
+                <a:spcPts val="500"/>
+              </a:spcBef>
+              <a:buFont typeface="Arial" panose="020B0604020202020204" pitchFamily="34" charset="0"/>
+              <a:buNone/>
+              <a:defRPr sz="1600" kern="1200">
+                <a:solidFill>
+                  <a:schemeClr val="tx1"/>
+                </a:solidFill>
+                <a:latin typeface="+mn-lt"/>
+                <a:ea typeface="+mn-ea"/>
+                <a:cs typeface="+mn-cs"/>
+              </a:defRPr>
+            </a:lvl4pPr>
+            <a:lvl5pPr marL="1828800" indent="0" algn="ctr" defTabSz="914400" rtl="0" eaLnBrk="1" latinLnBrk="0" hangingPunct="1">
+              <a:lnSpc>
+                <a:spcPct val="90000"/>
+              </a:lnSpc>
+              <a:spcBef>
+                <a:spcPts val="500"/>
+              </a:spcBef>
+              <a:buFont typeface="Arial" panose="020B0604020202020204" pitchFamily="34" charset="0"/>
+              <a:buNone/>
+              <a:defRPr sz="1600" kern="1200">
+                <a:solidFill>
+                  <a:schemeClr val="tx1"/>
+                </a:solidFill>
+                <a:latin typeface="+mn-lt"/>
+                <a:ea typeface="+mn-ea"/>
+                <a:cs typeface="+mn-cs"/>
+              </a:defRPr>
+            </a:lvl5pPr>
+            <a:lvl6pPr marL="2286000" indent="0" algn="ctr" defTabSz="914400" rtl="0" eaLnBrk="1" latinLnBrk="0" hangingPunct="1">
+              <a:lnSpc>
+                <a:spcPct val="90000"/>
+              </a:lnSpc>
+              <a:spcBef>
+                <a:spcPts val="500"/>
+              </a:spcBef>
+              <a:buFont typeface="Arial" panose="020B0604020202020204" pitchFamily="34" charset="0"/>
+              <a:buNone/>
+              <a:defRPr sz="1600" kern="1200">
+                <a:solidFill>
+                  <a:schemeClr val="tx1"/>
+                </a:solidFill>
+                <a:latin typeface="+mn-lt"/>
+                <a:ea typeface="+mn-ea"/>
+                <a:cs typeface="+mn-cs"/>
+              </a:defRPr>
+            </a:lvl6pPr>
+            <a:lvl7pPr marL="2743200" indent="0" algn="ctr" defTabSz="914400" rtl="0" eaLnBrk="1" latinLnBrk="0" hangingPunct="1">
+              <a:lnSpc>
+                <a:spcPct val="90000"/>
+              </a:lnSpc>
+              <a:spcBef>
+                <a:spcPts val="500"/>
+              </a:spcBef>
+              <a:buFont typeface="Arial" panose="020B0604020202020204" pitchFamily="34" charset="0"/>
+              <a:buNone/>
+              <a:defRPr sz="1600" kern="1200">
+                <a:solidFill>
+                  <a:schemeClr val="tx1"/>
+                </a:solidFill>
+                <a:latin typeface="+mn-lt"/>
+                <a:ea typeface="+mn-ea"/>
+                <a:cs typeface="+mn-cs"/>
+              </a:defRPr>
+            </a:lvl7pPr>
+            <a:lvl8pPr marL="3200400" indent="0" algn="ctr" defTabSz="914400" rtl="0" eaLnBrk="1" latinLnBrk="0" hangingPunct="1">
+              <a:lnSpc>
+                <a:spcPct val="90000"/>
+              </a:lnSpc>
+              <a:spcBef>
+                <a:spcPts val="500"/>
+              </a:spcBef>
+              <a:buFont typeface="Arial" panose="020B0604020202020204" pitchFamily="34" charset="0"/>
+              <a:buNone/>
+              <a:defRPr sz="1600" kern="1200">
+                <a:solidFill>
+                  <a:schemeClr val="tx1"/>
+                </a:solidFill>
+                <a:latin typeface="+mn-lt"/>
+                <a:ea typeface="+mn-ea"/>
+                <a:cs typeface="+mn-cs"/>
+              </a:defRPr>
+            </a:lvl8pPr>
+            <a:lvl9pPr marL="3657600" indent="0" algn="ctr" defTabSz="914400" rtl="0" eaLnBrk="1" latinLnBrk="0" hangingPunct="1">
+              <a:lnSpc>
+                <a:spcPct val="90000"/>
+              </a:lnSpc>
+              <a:spcBef>
+                <a:spcPts val="500"/>
+              </a:spcBef>
+              <a:buFont typeface="Arial" panose="020B0604020202020204" pitchFamily="34" charset="0"/>
+              <a:buNone/>
+              <a:defRPr sz="1600" kern="1200">
+                <a:solidFill>
+                  <a:schemeClr val="tx1"/>
+                </a:solidFill>
+                <a:latin typeface="+mn-lt"/>
+                <a:ea typeface="+mn-ea"/>
+                <a:cs typeface="+mn-cs"/>
+              </a:defRPr>
+            </a:lvl9pPr>
+          </a:lstStyle>
+          <a:p>
+            <a:pPr algn="l"/>
+            <a:r>
+              <a:rPr lang="en-US" dirty="0"/>
+              <a:t>* I am guilty of most of these </a:t>
+            </a:r>
+            <a:r>
+              <a:rPr lang="en-US" dirty="0" err="1"/>
+              <a:t>behaviours</a:t>
+            </a:r>
+            <a:r>
+              <a:rPr lang="en-US" dirty="0"/>
+              <a:t> at some point in my life so please take this presentation in the spirit it is intended </a:t>
+            </a:r>
+            <a:r>
+              <a:rPr lang="en-US" dirty="0">
+                <a:sym typeface="Wingdings" panose="05000000000000000000" pitchFamily="2" charset="2"/>
+              </a:rPr>
+              <a:t></a:t>
+            </a:r>
+            <a:endParaRPr lang="en-AU" dirty="0"/>
+          </a:p>
+        </p:txBody>
+      </p:sp>
+    </p:spTree>
+    <p:extLst>
+      <p:ext uri="{BB962C8B-B14F-4D97-AF65-F5344CB8AC3E}">
+        <p14:creationId xmlns:p14="http://schemas.microsoft.com/office/powerpoint/2010/main" val="2435890321"/>
+      </p:ext>
+    </p:extLst>
+  </p:cSld>
+  <p:clrMapOvr>
+    <a:masterClrMapping/>
+  </p:clrMapOvr>
+  <mc:AlternateContent xmlns:mc="http://schemas.openxmlformats.org/markup-compatibility/2006">
+    <mc:Choice xmlns:p14="http://schemas.microsoft.com/office/powerpoint/2010/main" Requires="p14">
+      <p:transition spd="slow" p14:dur="2000" advClick="0" advTm="15000"/>
+    </mc:Choice>
+    <mc:Fallback>
+      <p:transition spd="slow" advClick="0" advTm="15000"/>
+    </mc:Fallback>
+  </mc:AlternateContent>
+</p:sld>
+</file>
+
+<file path=ppt/slides/slide22.xml><?xml version="1.0" encoding="utf-8"?>
+<p:sld xmlns:a="http://schemas.openxmlformats.org/drawingml/2006/main" xmlns:r="http://schemas.openxmlformats.org/officeDocument/2006/relationships" xmlns:p="http://schemas.openxmlformats.org/presentationml/2006/main">
+  <p:cSld>
+    <p:bg>
+      <p:bgPr>
+        <a:solidFill>
+          <a:schemeClr val="bg1"/>
+        </a:solidFill>
+        <a:effectLst/>
+      </p:bgPr>
+    </p:bg>
+    <p:spTree>
+      <p:nvGrpSpPr>
+        <p:cNvPr id="1" name=""/>
+        <p:cNvGrpSpPr/>
+        <p:nvPr/>
+      </p:nvGrpSpPr>
+      <p:grpSpPr>
+        <a:xfrm>
+          <a:off x="0" y="0"/>
+          <a:ext cx="0" cy="0"/>
+          <a:chOff x="0" y="0"/>
+          <a:chExt cx="0" cy="0"/>
+        </a:xfrm>
+      </p:grpSpPr>
+      <p:sp>
+        <p:nvSpPr>
+          <p:cNvPr id="8" name="Rectangle 7">
+            <a:extLst>
+              <a:ext uri="{FF2B5EF4-FFF2-40B4-BE49-F238E27FC236}">
+                <a16:creationId xmlns:a16="http://schemas.microsoft.com/office/drawing/2014/main" id="{42A4FC2C-047E-45A5-965D-8E1E3BF09BC6}"/>
+              </a:ext>
+              <a:ext uri="{C183D7F6-B498-43B3-948B-1728B52AA6E4}">
+                <adec:decorative xmlns:adec="http://schemas.microsoft.com/office/drawing/2017/decorative" val="1"/>
+              </a:ext>
+            </a:extLst>
+          </p:cNvPr>
+          <p:cNvSpPr>
+            <a:spLocks noGrp="1" noRot="1" noChangeAspect="1" noMove="1" noResize="1" noEditPoints="1" noAdjustHandles="1" noChangeArrowheads="1" noChangeShapeType="1" noTextEdit="1"/>
+          </p:cNvSpPr>
+          <p:nvPr>
+            <p:extLst>
+              <p:ext uri="{386F3935-93C4-4BCD-93E2-E3B085C9AB24}">
+                <p16:designElem xmlns:p16="http://schemas.microsoft.com/office/powerpoint/2015/main" val="1"/>
+              </p:ext>
+            </p:extLst>
+          </p:nvPr>
+        </p:nvSpPr>
+        <p:spPr bwMode="white">
+          <a:xfrm>
+            <a:off x="1524" y="0"/>
+            <a:ext cx="12188952" cy="6858000"/>
+          </a:xfrm>
+          <a:prstGeom prst="rect">
+            <a:avLst/>
+          </a:prstGeom>
+          <a:noFill/>
+          <a:ln>
+            <a:noFill/>
+          </a:ln>
+        </p:spPr>
+        <p:style>
+          <a:lnRef idx="2">
+            <a:schemeClr val="accent1">
+              <a:shade val="50000"/>
+            </a:schemeClr>
+          </a:lnRef>
+          <a:fillRef idx="1">
+            <a:schemeClr val="accent1"/>
+          </a:fillRef>
+          <a:effectRef idx="0">
+            <a:schemeClr val="accent1"/>
+          </a:effectRef>
+          <a:fontRef idx="minor">
+            <a:schemeClr val="lt1"/>
+          </a:fontRef>
+        </p:style>
+        <p:txBody>
+          <a:bodyPr rtlCol="0" anchor="ctr"/>
+          <a:lstStyle>
+            <a:defPPr>
+              <a:defRPr lang="en-US"/>
+            </a:defPPr>
+            <a:lvl1pPr marL="0" algn="l" defTabSz="914400" rtl="0" eaLnBrk="1" latinLnBrk="0" hangingPunct="1">
+              <a:defRPr sz="1800" kern="1200">
+                <a:solidFill>
+                  <a:schemeClr val="lt1"/>
+                </a:solidFill>
+                <a:latin typeface="+mn-lt"/>
+                <a:ea typeface="+mn-ea"/>
+                <a:cs typeface="+mn-cs"/>
+              </a:defRPr>
+            </a:lvl1pPr>
+            <a:lvl2pPr marL="457200" algn="l" defTabSz="914400" rtl="0" eaLnBrk="1" latinLnBrk="0" hangingPunct="1">
+              <a:defRPr sz="1800" kern="1200">
+                <a:solidFill>
+                  <a:schemeClr val="lt1"/>
+                </a:solidFill>
+                <a:latin typeface="+mn-lt"/>
+                <a:ea typeface="+mn-ea"/>
+                <a:cs typeface="+mn-cs"/>
+              </a:defRPr>
+            </a:lvl2pPr>
+            <a:lvl3pPr marL="914400" algn="l" defTabSz="914400" rtl="0" eaLnBrk="1" latinLnBrk="0" hangingPunct="1">
+              <a:defRPr sz="1800" kern="1200">
+                <a:solidFill>
+                  <a:schemeClr val="lt1"/>
+                </a:solidFill>
+                <a:latin typeface="+mn-lt"/>
+                <a:ea typeface="+mn-ea"/>
+                <a:cs typeface="+mn-cs"/>
+              </a:defRPr>
+            </a:lvl3pPr>
+            <a:lvl4pPr marL="1371600" algn="l" defTabSz="914400" rtl="0" eaLnBrk="1" latinLnBrk="0" hangingPunct="1">
+              <a:defRPr sz="1800" kern="1200">
+                <a:solidFill>
+                  <a:schemeClr val="lt1"/>
+                </a:solidFill>
+                <a:latin typeface="+mn-lt"/>
+                <a:ea typeface="+mn-ea"/>
+                <a:cs typeface="+mn-cs"/>
+              </a:defRPr>
+            </a:lvl4pPr>
+            <a:lvl5pPr marL="1828800" algn="l" defTabSz="914400" rtl="0" eaLnBrk="1" latinLnBrk="0" hangingPunct="1">
+              <a:defRPr sz="1800" kern="1200">
+                <a:solidFill>
+                  <a:schemeClr val="lt1"/>
+                </a:solidFill>
+                <a:latin typeface="+mn-lt"/>
+                <a:ea typeface="+mn-ea"/>
+                <a:cs typeface="+mn-cs"/>
+              </a:defRPr>
+            </a:lvl5pPr>
+            <a:lvl6pPr marL="2286000" algn="l" defTabSz="914400" rtl="0" eaLnBrk="1" latinLnBrk="0" hangingPunct="1">
+              <a:defRPr sz="1800" kern="1200">
+                <a:solidFill>
+                  <a:schemeClr val="lt1"/>
+                </a:solidFill>
+                <a:latin typeface="+mn-lt"/>
+                <a:ea typeface="+mn-ea"/>
+                <a:cs typeface="+mn-cs"/>
+              </a:defRPr>
+            </a:lvl6pPr>
+            <a:lvl7pPr marL="2743200" algn="l" defTabSz="914400" rtl="0" eaLnBrk="1" latinLnBrk="0" hangingPunct="1">
+              <a:defRPr sz="1800" kern="1200">
+                <a:solidFill>
+                  <a:schemeClr val="lt1"/>
+                </a:solidFill>
+                <a:latin typeface="+mn-lt"/>
+                <a:ea typeface="+mn-ea"/>
+                <a:cs typeface="+mn-cs"/>
+              </a:defRPr>
+            </a:lvl7pPr>
+            <a:lvl8pPr marL="3200400" algn="l" defTabSz="914400" rtl="0" eaLnBrk="1" latinLnBrk="0" hangingPunct="1">
+              <a:defRPr sz="1800" kern="1200">
+                <a:solidFill>
+                  <a:schemeClr val="lt1"/>
+                </a:solidFill>
+                <a:latin typeface="+mn-lt"/>
+                <a:ea typeface="+mn-ea"/>
+                <a:cs typeface="+mn-cs"/>
+              </a:defRPr>
+            </a:lvl8pPr>
+            <a:lvl9pPr marL="3657600" algn="l" defTabSz="914400" rtl="0" eaLnBrk="1" latinLnBrk="0" hangingPunct="1">
+              <a:defRPr sz="1800" kern="1200">
+                <a:solidFill>
+                  <a:schemeClr val="lt1"/>
+                </a:solidFill>
+                <a:latin typeface="+mn-lt"/>
+                <a:ea typeface="+mn-ea"/>
+                <a:cs typeface="+mn-cs"/>
+              </a:defRPr>
+            </a:lvl9pPr>
+          </a:lstStyle>
+          <a:p>
+            <a:pPr algn="ctr"/>
+            <a:endParaRPr lang="en-US"/>
+          </a:p>
+        </p:txBody>
+      </p:sp>
+      <p:pic>
+        <p:nvPicPr>
+          <p:cNvPr id="3" name="Picture 2" descr="A screenshot of a computer&#10;&#10;Description automatically generated">
+            <a:extLst>
+              <a:ext uri="{FF2B5EF4-FFF2-40B4-BE49-F238E27FC236}">
+                <a16:creationId xmlns:a16="http://schemas.microsoft.com/office/drawing/2014/main" id="{8AB42F67-AA7B-E359-6752-49E37C5C9065}"/>
+              </a:ext>
+            </a:extLst>
+          </p:cNvPr>
+          <p:cNvPicPr>
+            <a:picLocks noChangeAspect="1"/>
+          </p:cNvPicPr>
+          <p:nvPr/>
+        </p:nvPicPr>
+        <p:blipFill rotWithShape="1">
+          <a:blip r:embed="rId2">
+            <a:extLst>
+              <a:ext uri="{28A0092B-C50C-407E-A947-70E740481C1C}">
+                <a14:useLocalDpi xmlns:a14="http://schemas.microsoft.com/office/drawing/2010/main" val="0"/>
+              </a:ext>
+            </a:extLst>
+          </a:blip>
+          <a:srcRect b="19"/>
+          <a:stretch/>
+        </p:blipFill>
+        <p:spPr>
+          <a:xfrm>
+            <a:off x="20" y="1282"/>
+            <a:ext cx="12191980" cy="6856718"/>
+          </a:xfrm>
+          <a:prstGeom prst="rect">
+            <a:avLst/>
+          </a:prstGeom>
+        </p:spPr>
+      </p:pic>
+    </p:spTree>
+    <p:extLst>
+      <p:ext uri="{BB962C8B-B14F-4D97-AF65-F5344CB8AC3E}">
+        <p14:creationId xmlns:p14="http://schemas.microsoft.com/office/powerpoint/2010/main" val="2796175594"/>
+      </p:ext>
+    </p:extLst>
+  </p:cSld>
+  <p:clrMapOvr>
+    <a:masterClrMapping/>
+  </p:clrMapOvr>
+  <mc:AlternateContent xmlns:mc="http://schemas.openxmlformats.org/markup-compatibility/2006">
+    <mc:Choice xmlns:p14="http://schemas.microsoft.com/office/powerpoint/2010/main" Requires="p14">
+      <p:transition spd="slow" p14:dur="2000" advClick="0"/>
+    </mc:Choice>
+    <mc:Fallback>
+      <p:transition spd="slow" advClick="0"/>
+    </mc:Fallback>
+  </mc:AlternateContent>
+</p:sld>
+</file>
+
+<file path=ppt/slides/slide3.xml><?xml version="1.0" encoding="utf-8"?>
 <p:sld xmlns:a="http://schemas.openxmlformats.org/drawingml/2006/main" xmlns:r="http://schemas.openxmlformats.org/officeDocument/2006/relationships" xmlns:p="http://schemas.openxmlformats.org/presentationml/2006/main">
   <p:cSld>
     <p:spTree>
@@ -7061,651 +7959,10 @@
   </p:clrMapOvr>
   <mc:AlternateContent xmlns:mc="http://schemas.openxmlformats.org/markup-compatibility/2006">
     <mc:Choice xmlns:p14="http://schemas.microsoft.com/office/powerpoint/2010/main" Requires="p14">
-      <p:transition spd="slow" p14:dur="2000" advClick="0" advTm="150"/>
+      <p:transition spd="slow" p14:dur="2000" advClick="0" advTm="15000"/>
     </mc:Choice>
     <mc:Fallback>
-      <p:transition spd="slow" advClick="0" advTm="150"/>
-    </mc:Fallback>
-  </mc:AlternateContent>
-</p:sld>
-</file>
-
-<file path=ppt/slides/slide20.xml><?xml version="1.0" encoding="utf-8"?>
-<p:sld xmlns:a="http://schemas.openxmlformats.org/drawingml/2006/main" xmlns:r="http://schemas.openxmlformats.org/officeDocument/2006/relationships" xmlns:p="http://schemas.openxmlformats.org/presentationml/2006/main">
-  <p:cSld>
-    <p:spTree>
-      <p:nvGrpSpPr>
-        <p:cNvPr id="1" name=""/>
-        <p:cNvGrpSpPr/>
-        <p:nvPr/>
-      </p:nvGrpSpPr>
-      <p:grpSpPr>
-        <a:xfrm>
-          <a:off x="0" y="0"/>
-          <a:ext cx="0" cy="0"/>
-          <a:chOff x="0" y="0"/>
-          <a:chExt cx="0" cy="0"/>
-        </a:xfrm>
-      </p:grpSpPr>
-      <p:sp>
-        <p:nvSpPr>
-          <p:cNvPr id="2" name="Title 1">
-            <a:extLst>
-              <a:ext uri="{FF2B5EF4-FFF2-40B4-BE49-F238E27FC236}">
-                <a16:creationId xmlns:a16="http://schemas.microsoft.com/office/drawing/2014/main" id="{86902E03-951A-AF33-53C3-63A98F1AFC84}"/>
-              </a:ext>
-            </a:extLst>
-          </p:cNvPr>
-          <p:cNvSpPr>
-            <a:spLocks noGrp="1"/>
-          </p:cNvSpPr>
-          <p:nvPr>
-            <p:ph type="ctrTitle"/>
-          </p:nvPr>
-        </p:nvSpPr>
-        <p:spPr>
-          <a:xfrm>
-            <a:off x="1524000" y="2914183"/>
-            <a:ext cx="9144000" cy="1029633"/>
-          </a:xfrm>
-        </p:spPr>
-        <p:txBody>
-          <a:bodyPr>
-            <a:normAutofit/>
-          </a:bodyPr>
-          <a:lstStyle/>
-          <a:p>
-            <a:r>
-              <a:rPr lang="en-US" dirty="0"/>
-              <a:t>Thank you, </a:t>
-            </a:r>
-            <a:r>
-              <a:rPr lang="en-US" dirty="0" err="1"/>
-              <a:t>PubConf</a:t>
-            </a:r>
-            <a:r>
-              <a:rPr lang="en-US" dirty="0"/>
-              <a:t>! *</a:t>
-            </a:r>
-            <a:endParaRPr lang="en-AU" dirty="0"/>
-          </a:p>
-        </p:txBody>
-      </p:sp>
-      <p:sp>
-        <p:nvSpPr>
-          <p:cNvPr id="3" name="Subtitle 2">
-            <a:extLst>
-              <a:ext uri="{FF2B5EF4-FFF2-40B4-BE49-F238E27FC236}">
-                <a16:creationId xmlns:a16="http://schemas.microsoft.com/office/drawing/2014/main" id="{FBC5F8B3-E1C2-F6BF-2611-EB764D6AFB18}"/>
-              </a:ext>
-            </a:extLst>
-          </p:cNvPr>
-          <p:cNvSpPr txBox="1">
-            <a:spLocks/>
-          </p:cNvSpPr>
-          <p:nvPr/>
-        </p:nvSpPr>
-        <p:spPr>
-          <a:xfrm>
-            <a:off x="261256" y="6165610"/>
-            <a:ext cx="11930743" cy="435488"/>
-          </a:xfrm>
-          <a:prstGeom prst="rect">
-            <a:avLst/>
-          </a:prstGeom>
-        </p:spPr>
-        <p:txBody>
-          <a:bodyPr vert="horz" lIns="91440" tIns="45720" rIns="91440" bIns="45720" rtlCol="0">
-            <a:normAutofit fontScale="70000" lnSpcReduction="20000"/>
-          </a:bodyPr>
-          <a:lstStyle>
-            <a:lvl1pPr marL="0" indent="0" algn="ctr" defTabSz="914400" rtl="0" eaLnBrk="1" latinLnBrk="0" hangingPunct="1">
-              <a:lnSpc>
-                <a:spcPct val="90000"/>
-              </a:lnSpc>
-              <a:spcBef>
-                <a:spcPts val="1000"/>
-              </a:spcBef>
-              <a:buFont typeface="Arial" panose="020B0604020202020204" pitchFamily="34" charset="0"/>
-              <a:buNone/>
-              <a:defRPr sz="2400" kern="1200">
-                <a:solidFill>
-                  <a:schemeClr val="tx1"/>
-                </a:solidFill>
-                <a:latin typeface="+mn-lt"/>
-                <a:ea typeface="+mn-ea"/>
-                <a:cs typeface="+mn-cs"/>
-              </a:defRPr>
-            </a:lvl1pPr>
-            <a:lvl2pPr marL="457200" indent="0" algn="ctr" defTabSz="914400" rtl="0" eaLnBrk="1" latinLnBrk="0" hangingPunct="1">
-              <a:lnSpc>
-                <a:spcPct val="90000"/>
-              </a:lnSpc>
-              <a:spcBef>
-                <a:spcPts val="500"/>
-              </a:spcBef>
-              <a:buFont typeface="Arial" panose="020B0604020202020204" pitchFamily="34" charset="0"/>
-              <a:buNone/>
-              <a:defRPr sz="2000" kern="1200">
-                <a:solidFill>
-                  <a:schemeClr val="tx1"/>
-                </a:solidFill>
-                <a:latin typeface="+mn-lt"/>
-                <a:ea typeface="+mn-ea"/>
-                <a:cs typeface="+mn-cs"/>
-              </a:defRPr>
-            </a:lvl2pPr>
-            <a:lvl3pPr marL="914400" indent="0" algn="ctr" defTabSz="914400" rtl="0" eaLnBrk="1" latinLnBrk="0" hangingPunct="1">
-              <a:lnSpc>
-                <a:spcPct val="90000"/>
-              </a:lnSpc>
-              <a:spcBef>
-                <a:spcPts val="500"/>
-              </a:spcBef>
-              <a:buFont typeface="Arial" panose="020B0604020202020204" pitchFamily="34" charset="0"/>
-              <a:buNone/>
-              <a:defRPr sz="1800" kern="1200">
-                <a:solidFill>
-                  <a:schemeClr val="tx1"/>
-                </a:solidFill>
-                <a:latin typeface="+mn-lt"/>
-                <a:ea typeface="+mn-ea"/>
-                <a:cs typeface="+mn-cs"/>
-              </a:defRPr>
-            </a:lvl3pPr>
-            <a:lvl4pPr marL="1371600" indent="0" algn="ctr" defTabSz="914400" rtl="0" eaLnBrk="1" latinLnBrk="0" hangingPunct="1">
-              <a:lnSpc>
-                <a:spcPct val="90000"/>
-              </a:lnSpc>
-              <a:spcBef>
-                <a:spcPts val="500"/>
-              </a:spcBef>
-              <a:buFont typeface="Arial" panose="020B0604020202020204" pitchFamily="34" charset="0"/>
-              <a:buNone/>
-              <a:defRPr sz="1600" kern="1200">
-                <a:solidFill>
-                  <a:schemeClr val="tx1"/>
-                </a:solidFill>
-                <a:latin typeface="+mn-lt"/>
-                <a:ea typeface="+mn-ea"/>
-                <a:cs typeface="+mn-cs"/>
-              </a:defRPr>
-            </a:lvl4pPr>
-            <a:lvl5pPr marL="1828800" indent="0" algn="ctr" defTabSz="914400" rtl="0" eaLnBrk="1" latinLnBrk="0" hangingPunct="1">
-              <a:lnSpc>
-                <a:spcPct val="90000"/>
-              </a:lnSpc>
-              <a:spcBef>
-                <a:spcPts val="500"/>
-              </a:spcBef>
-              <a:buFont typeface="Arial" panose="020B0604020202020204" pitchFamily="34" charset="0"/>
-              <a:buNone/>
-              <a:defRPr sz="1600" kern="1200">
-                <a:solidFill>
-                  <a:schemeClr val="tx1"/>
-                </a:solidFill>
-                <a:latin typeface="+mn-lt"/>
-                <a:ea typeface="+mn-ea"/>
-                <a:cs typeface="+mn-cs"/>
-              </a:defRPr>
-            </a:lvl5pPr>
-            <a:lvl6pPr marL="2286000" indent="0" algn="ctr" defTabSz="914400" rtl="0" eaLnBrk="1" latinLnBrk="0" hangingPunct="1">
-              <a:lnSpc>
-                <a:spcPct val="90000"/>
-              </a:lnSpc>
-              <a:spcBef>
-                <a:spcPts val="500"/>
-              </a:spcBef>
-              <a:buFont typeface="Arial" panose="020B0604020202020204" pitchFamily="34" charset="0"/>
-              <a:buNone/>
-              <a:defRPr sz="1600" kern="1200">
-                <a:solidFill>
-                  <a:schemeClr val="tx1"/>
-                </a:solidFill>
-                <a:latin typeface="+mn-lt"/>
-                <a:ea typeface="+mn-ea"/>
-                <a:cs typeface="+mn-cs"/>
-              </a:defRPr>
-            </a:lvl6pPr>
-            <a:lvl7pPr marL="2743200" indent="0" algn="ctr" defTabSz="914400" rtl="0" eaLnBrk="1" latinLnBrk="0" hangingPunct="1">
-              <a:lnSpc>
-                <a:spcPct val="90000"/>
-              </a:lnSpc>
-              <a:spcBef>
-                <a:spcPts val="500"/>
-              </a:spcBef>
-              <a:buFont typeface="Arial" panose="020B0604020202020204" pitchFamily="34" charset="0"/>
-              <a:buNone/>
-              <a:defRPr sz="1600" kern="1200">
-                <a:solidFill>
-                  <a:schemeClr val="tx1"/>
-                </a:solidFill>
-                <a:latin typeface="+mn-lt"/>
-                <a:ea typeface="+mn-ea"/>
-                <a:cs typeface="+mn-cs"/>
-              </a:defRPr>
-            </a:lvl7pPr>
-            <a:lvl8pPr marL="3200400" indent="0" algn="ctr" defTabSz="914400" rtl="0" eaLnBrk="1" latinLnBrk="0" hangingPunct="1">
-              <a:lnSpc>
-                <a:spcPct val="90000"/>
-              </a:lnSpc>
-              <a:spcBef>
-                <a:spcPts val="500"/>
-              </a:spcBef>
-              <a:buFont typeface="Arial" panose="020B0604020202020204" pitchFamily="34" charset="0"/>
-              <a:buNone/>
-              <a:defRPr sz="1600" kern="1200">
-                <a:solidFill>
-                  <a:schemeClr val="tx1"/>
-                </a:solidFill>
-                <a:latin typeface="+mn-lt"/>
-                <a:ea typeface="+mn-ea"/>
-                <a:cs typeface="+mn-cs"/>
-              </a:defRPr>
-            </a:lvl8pPr>
-            <a:lvl9pPr marL="3657600" indent="0" algn="ctr" defTabSz="914400" rtl="0" eaLnBrk="1" latinLnBrk="0" hangingPunct="1">
-              <a:lnSpc>
-                <a:spcPct val="90000"/>
-              </a:lnSpc>
-              <a:spcBef>
-                <a:spcPts val="500"/>
-              </a:spcBef>
-              <a:buFont typeface="Arial" panose="020B0604020202020204" pitchFamily="34" charset="0"/>
-              <a:buNone/>
-              <a:defRPr sz="1600" kern="1200">
-                <a:solidFill>
-                  <a:schemeClr val="tx1"/>
-                </a:solidFill>
-                <a:latin typeface="+mn-lt"/>
-                <a:ea typeface="+mn-ea"/>
-                <a:cs typeface="+mn-cs"/>
-              </a:defRPr>
-            </a:lvl9pPr>
-          </a:lstStyle>
-          <a:p>
-            <a:pPr algn="l"/>
-            <a:r>
-              <a:rPr lang="en-US" dirty="0"/>
-              <a:t>* I am guilty of most of these </a:t>
-            </a:r>
-            <a:r>
-              <a:rPr lang="en-US" dirty="0" err="1"/>
-              <a:t>behaviours</a:t>
-            </a:r>
-            <a:r>
-              <a:rPr lang="en-US" dirty="0"/>
-              <a:t> at some point in my life so please take this presentation in the spirit it is intended </a:t>
-            </a:r>
-            <a:r>
-              <a:rPr lang="en-US" dirty="0">
-                <a:sym typeface="Wingdings" panose="05000000000000000000" pitchFamily="2" charset="2"/>
-              </a:rPr>
-              <a:t></a:t>
-            </a:r>
-            <a:endParaRPr lang="en-AU" dirty="0"/>
-          </a:p>
-        </p:txBody>
-      </p:sp>
-    </p:spTree>
-    <p:extLst>
-      <p:ext uri="{BB962C8B-B14F-4D97-AF65-F5344CB8AC3E}">
-        <p14:creationId xmlns:p14="http://schemas.microsoft.com/office/powerpoint/2010/main" val="2435890321"/>
-      </p:ext>
-    </p:extLst>
-  </p:cSld>
-  <p:clrMapOvr>
-    <a:masterClrMapping/>
-  </p:clrMapOvr>
-  <mc:AlternateContent xmlns:mc="http://schemas.openxmlformats.org/markup-compatibility/2006">
-    <mc:Choice xmlns:p14="http://schemas.microsoft.com/office/powerpoint/2010/main" Requires="p14">
-      <p:transition spd="slow" p14:dur="2000" advClick="0" advTm="0"/>
-    </mc:Choice>
-    <mc:Fallback>
-      <p:transition spd="slow" advClick="0" advTm="0"/>
-    </mc:Fallback>
-  </mc:AlternateContent>
-</p:sld>
-</file>
-
-<file path=ppt/slides/slide3.xml><?xml version="1.0" encoding="utf-8"?>
-<p:sld xmlns:a="http://schemas.openxmlformats.org/drawingml/2006/main" xmlns:r="http://schemas.openxmlformats.org/officeDocument/2006/relationships" xmlns:p="http://schemas.openxmlformats.org/presentationml/2006/main">
-  <p:cSld>
-    <p:spTree>
-      <p:nvGrpSpPr>
-        <p:cNvPr id="1" name=""/>
-        <p:cNvGrpSpPr/>
-        <p:nvPr/>
-      </p:nvGrpSpPr>
-      <p:grpSpPr>
-        <a:xfrm>
-          <a:off x="0" y="0"/>
-          <a:ext cx="0" cy="0"/>
-          <a:chOff x="0" y="0"/>
-          <a:chExt cx="0" cy="0"/>
-        </a:xfrm>
-      </p:grpSpPr>
-      <p:sp>
-        <p:nvSpPr>
-          <p:cNvPr id="2" name="Title 1">
-            <a:extLst>
-              <a:ext uri="{FF2B5EF4-FFF2-40B4-BE49-F238E27FC236}">
-                <a16:creationId xmlns:a16="http://schemas.microsoft.com/office/drawing/2014/main" id="{86902E03-951A-AF33-53C3-63A98F1AFC84}"/>
-              </a:ext>
-            </a:extLst>
-          </p:cNvPr>
-          <p:cNvSpPr>
-            <a:spLocks noGrp="1"/>
-          </p:cNvSpPr>
-          <p:nvPr>
-            <p:ph type="ctrTitle"/>
-          </p:nvPr>
-        </p:nvSpPr>
-        <p:spPr>
-          <a:xfrm>
-            <a:off x="1524000" y="746874"/>
-            <a:ext cx="9144000" cy="1841707"/>
-          </a:xfrm>
-        </p:spPr>
-        <p:txBody>
-          <a:bodyPr/>
-          <a:lstStyle/>
-          <a:p>
-            <a:r>
-              <a:rPr lang="en-US" dirty="0"/>
-              <a:t>How will </a:t>
-            </a:r>
-            <a:r>
-              <a:rPr lang="en-US" dirty="0" err="1"/>
-              <a:t>techbro</a:t>
-            </a:r>
-            <a:r>
-              <a:rPr lang="en-US" dirty="0"/>
-              <a:t>-ism have evolved in 2034?</a:t>
-            </a:r>
-            <a:endParaRPr lang="en-AU" dirty="0"/>
-          </a:p>
-        </p:txBody>
-      </p:sp>
-      <p:sp>
-        <p:nvSpPr>
-          <p:cNvPr id="3" name="Subtitle 2">
-            <a:extLst>
-              <a:ext uri="{FF2B5EF4-FFF2-40B4-BE49-F238E27FC236}">
-                <a16:creationId xmlns:a16="http://schemas.microsoft.com/office/drawing/2014/main" id="{B783C548-3E65-B743-A411-D4C50D4B4412}"/>
-              </a:ext>
-            </a:extLst>
-          </p:cNvPr>
-          <p:cNvSpPr>
-            <a:spLocks noGrp="1"/>
-          </p:cNvSpPr>
-          <p:nvPr>
-            <p:ph type="subTitle" idx="1"/>
-          </p:nvPr>
-        </p:nvSpPr>
-        <p:spPr/>
-        <p:txBody>
-          <a:bodyPr/>
-          <a:lstStyle/>
-          <a:p>
-            <a:pPr marL="342900" indent="-342900">
-              <a:buFont typeface="Arial" panose="020B0604020202020204" pitchFamily="34" charset="0"/>
-              <a:buChar char="•"/>
-            </a:pPr>
-            <a:r>
-              <a:rPr lang="en-US" dirty="0"/>
-              <a:t>Must have your TC* tattooed on you</a:t>
-            </a:r>
-          </a:p>
-          <a:p>
-            <a:pPr marL="342900" indent="-342900">
-              <a:buFont typeface="Arial" panose="020B0604020202020204" pitchFamily="34" charset="0"/>
-              <a:buChar char="•"/>
-            </a:pPr>
-            <a:r>
-              <a:rPr lang="en-US" dirty="0"/>
-              <a:t>Compulsory wearing of Patagonia</a:t>
-            </a:r>
-          </a:p>
-          <a:p>
-            <a:pPr marL="342900" indent="-342900">
-              <a:buFont typeface="Arial" panose="020B0604020202020204" pitchFamily="34" charset="0"/>
-              <a:buChar char="•"/>
-            </a:pPr>
-            <a:r>
-              <a:rPr lang="en-US" dirty="0"/>
-              <a:t>Only eat from </a:t>
-            </a:r>
-            <a:r>
-              <a:rPr lang="en-US" dirty="0" err="1"/>
-              <a:t>DoorDash</a:t>
-            </a:r>
-            <a:r>
-              <a:rPr lang="en-US" dirty="0"/>
-              <a:t> or office free food</a:t>
-            </a:r>
-          </a:p>
-          <a:p>
-            <a:endParaRPr lang="en-AU" dirty="0"/>
-          </a:p>
-        </p:txBody>
-      </p:sp>
-      <p:sp>
-        <p:nvSpPr>
-          <p:cNvPr id="4" name="Subtitle 2">
-            <a:extLst>
-              <a:ext uri="{FF2B5EF4-FFF2-40B4-BE49-F238E27FC236}">
-                <a16:creationId xmlns:a16="http://schemas.microsoft.com/office/drawing/2014/main" id="{F72E8486-25B5-D7CC-30F5-A3A42BB02F78}"/>
-              </a:ext>
-            </a:extLst>
-          </p:cNvPr>
-          <p:cNvSpPr txBox="1">
-            <a:spLocks/>
-          </p:cNvSpPr>
-          <p:nvPr/>
-        </p:nvSpPr>
-        <p:spPr>
-          <a:xfrm>
-            <a:off x="261257" y="6165610"/>
-            <a:ext cx="9144000" cy="435488"/>
-          </a:xfrm>
-          <a:prstGeom prst="rect">
-            <a:avLst/>
-          </a:prstGeom>
-        </p:spPr>
-        <p:txBody>
-          <a:bodyPr vert="horz" lIns="91440" tIns="45720" rIns="91440" bIns="45720" rtlCol="0">
-            <a:normAutofit/>
-          </a:bodyPr>
-          <a:lstStyle>
-            <a:lvl1pPr marL="0" indent="0" algn="ctr" defTabSz="914400" rtl="0" eaLnBrk="1" latinLnBrk="0" hangingPunct="1">
-              <a:lnSpc>
-                <a:spcPct val="90000"/>
-              </a:lnSpc>
-              <a:spcBef>
-                <a:spcPts val="1000"/>
-              </a:spcBef>
-              <a:buFont typeface="Arial" panose="020B0604020202020204" pitchFamily="34" charset="0"/>
-              <a:buNone/>
-              <a:defRPr sz="2400" kern="1200">
-                <a:solidFill>
-                  <a:schemeClr val="tx1"/>
-                </a:solidFill>
-                <a:latin typeface="+mn-lt"/>
-                <a:ea typeface="+mn-ea"/>
-                <a:cs typeface="+mn-cs"/>
-              </a:defRPr>
-            </a:lvl1pPr>
-            <a:lvl2pPr marL="457200" indent="0" algn="ctr" defTabSz="914400" rtl="0" eaLnBrk="1" latinLnBrk="0" hangingPunct="1">
-              <a:lnSpc>
-                <a:spcPct val="90000"/>
-              </a:lnSpc>
-              <a:spcBef>
-                <a:spcPts val="500"/>
-              </a:spcBef>
-              <a:buFont typeface="Arial" panose="020B0604020202020204" pitchFamily="34" charset="0"/>
-              <a:buNone/>
-              <a:defRPr sz="2000" kern="1200">
-                <a:solidFill>
-                  <a:schemeClr val="tx1"/>
-                </a:solidFill>
-                <a:latin typeface="+mn-lt"/>
-                <a:ea typeface="+mn-ea"/>
-                <a:cs typeface="+mn-cs"/>
-              </a:defRPr>
-            </a:lvl2pPr>
-            <a:lvl3pPr marL="914400" indent="0" algn="ctr" defTabSz="914400" rtl="0" eaLnBrk="1" latinLnBrk="0" hangingPunct="1">
-              <a:lnSpc>
-                <a:spcPct val="90000"/>
-              </a:lnSpc>
-              <a:spcBef>
-                <a:spcPts val="500"/>
-              </a:spcBef>
-              <a:buFont typeface="Arial" panose="020B0604020202020204" pitchFamily="34" charset="0"/>
-              <a:buNone/>
-              <a:defRPr sz="1800" kern="1200">
-                <a:solidFill>
-                  <a:schemeClr val="tx1"/>
-                </a:solidFill>
-                <a:latin typeface="+mn-lt"/>
-                <a:ea typeface="+mn-ea"/>
-                <a:cs typeface="+mn-cs"/>
-              </a:defRPr>
-            </a:lvl3pPr>
-            <a:lvl4pPr marL="1371600" indent="0" algn="ctr" defTabSz="914400" rtl="0" eaLnBrk="1" latinLnBrk="0" hangingPunct="1">
-              <a:lnSpc>
-                <a:spcPct val="90000"/>
-              </a:lnSpc>
-              <a:spcBef>
-                <a:spcPts val="500"/>
-              </a:spcBef>
-              <a:buFont typeface="Arial" panose="020B0604020202020204" pitchFamily="34" charset="0"/>
-              <a:buNone/>
-              <a:defRPr sz="1600" kern="1200">
-                <a:solidFill>
-                  <a:schemeClr val="tx1"/>
-                </a:solidFill>
-                <a:latin typeface="+mn-lt"/>
-                <a:ea typeface="+mn-ea"/>
-                <a:cs typeface="+mn-cs"/>
-              </a:defRPr>
-            </a:lvl4pPr>
-            <a:lvl5pPr marL="1828800" indent="0" algn="ctr" defTabSz="914400" rtl="0" eaLnBrk="1" latinLnBrk="0" hangingPunct="1">
-              <a:lnSpc>
-                <a:spcPct val="90000"/>
-              </a:lnSpc>
-              <a:spcBef>
-                <a:spcPts val="500"/>
-              </a:spcBef>
-              <a:buFont typeface="Arial" panose="020B0604020202020204" pitchFamily="34" charset="0"/>
-              <a:buNone/>
-              <a:defRPr sz="1600" kern="1200">
-                <a:solidFill>
-                  <a:schemeClr val="tx1"/>
-                </a:solidFill>
-                <a:latin typeface="+mn-lt"/>
-                <a:ea typeface="+mn-ea"/>
-                <a:cs typeface="+mn-cs"/>
-              </a:defRPr>
-            </a:lvl5pPr>
-            <a:lvl6pPr marL="2286000" indent="0" algn="ctr" defTabSz="914400" rtl="0" eaLnBrk="1" latinLnBrk="0" hangingPunct="1">
-              <a:lnSpc>
-                <a:spcPct val="90000"/>
-              </a:lnSpc>
-              <a:spcBef>
-                <a:spcPts val="500"/>
-              </a:spcBef>
-              <a:buFont typeface="Arial" panose="020B0604020202020204" pitchFamily="34" charset="0"/>
-              <a:buNone/>
-              <a:defRPr sz="1600" kern="1200">
-                <a:solidFill>
-                  <a:schemeClr val="tx1"/>
-                </a:solidFill>
-                <a:latin typeface="+mn-lt"/>
-                <a:ea typeface="+mn-ea"/>
-                <a:cs typeface="+mn-cs"/>
-              </a:defRPr>
-            </a:lvl6pPr>
-            <a:lvl7pPr marL="2743200" indent="0" algn="ctr" defTabSz="914400" rtl="0" eaLnBrk="1" latinLnBrk="0" hangingPunct="1">
-              <a:lnSpc>
-                <a:spcPct val="90000"/>
-              </a:lnSpc>
-              <a:spcBef>
-                <a:spcPts val="500"/>
-              </a:spcBef>
-              <a:buFont typeface="Arial" panose="020B0604020202020204" pitchFamily="34" charset="0"/>
-              <a:buNone/>
-              <a:defRPr sz="1600" kern="1200">
-                <a:solidFill>
-                  <a:schemeClr val="tx1"/>
-                </a:solidFill>
-                <a:latin typeface="+mn-lt"/>
-                <a:ea typeface="+mn-ea"/>
-                <a:cs typeface="+mn-cs"/>
-              </a:defRPr>
-            </a:lvl7pPr>
-            <a:lvl8pPr marL="3200400" indent="0" algn="ctr" defTabSz="914400" rtl="0" eaLnBrk="1" latinLnBrk="0" hangingPunct="1">
-              <a:lnSpc>
-                <a:spcPct val="90000"/>
-              </a:lnSpc>
-              <a:spcBef>
-                <a:spcPts val="500"/>
-              </a:spcBef>
-              <a:buFont typeface="Arial" panose="020B0604020202020204" pitchFamily="34" charset="0"/>
-              <a:buNone/>
-              <a:defRPr sz="1600" kern="1200">
-                <a:solidFill>
-                  <a:schemeClr val="tx1"/>
-                </a:solidFill>
-                <a:latin typeface="+mn-lt"/>
-                <a:ea typeface="+mn-ea"/>
-                <a:cs typeface="+mn-cs"/>
-              </a:defRPr>
-            </a:lvl8pPr>
-            <a:lvl9pPr marL="3657600" indent="0" algn="ctr" defTabSz="914400" rtl="0" eaLnBrk="1" latinLnBrk="0" hangingPunct="1">
-              <a:lnSpc>
-                <a:spcPct val="90000"/>
-              </a:lnSpc>
-              <a:spcBef>
-                <a:spcPts val="500"/>
-              </a:spcBef>
-              <a:buFont typeface="Arial" panose="020B0604020202020204" pitchFamily="34" charset="0"/>
-              <a:buNone/>
-              <a:defRPr sz="1600" kern="1200">
-                <a:solidFill>
-                  <a:schemeClr val="tx1"/>
-                </a:solidFill>
-                <a:latin typeface="+mn-lt"/>
-                <a:ea typeface="+mn-ea"/>
-                <a:cs typeface="+mn-cs"/>
-              </a:defRPr>
-            </a:lvl9pPr>
-          </a:lstStyle>
-          <a:p>
-            <a:pPr algn="l"/>
-            <a:r>
-              <a:rPr lang="en-US" dirty="0"/>
-              <a:t>* Total comp = salary + bonus + stock</a:t>
-            </a:r>
-            <a:endParaRPr lang="en-AU" dirty="0"/>
-          </a:p>
-        </p:txBody>
-      </p:sp>
-    </p:spTree>
-    <p:extLst>
-      <p:ext uri="{BB962C8B-B14F-4D97-AF65-F5344CB8AC3E}">
-        <p14:creationId xmlns:p14="http://schemas.microsoft.com/office/powerpoint/2010/main" val="1368049528"/>
-      </p:ext>
-    </p:extLst>
-  </p:cSld>
-  <p:clrMapOvr>
-    <a:masterClrMapping/>
-  </p:clrMapOvr>
-  <mc:AlternateContent xmlns:mc="http://schemas.openxmlformats.org/markup-compatibility/2006">
-    <mc:Choice xmlns:p14="http://schemas.microsoft.com/office/powerpoint/2010/main" Requires="p14">
-      <p:transition spd="slow" p14:dur="2000" advClick="0" advTm="0"/>
-    </mc:Choice>
-    <mc:Fallback>
-      <p:transition spd="slow" advClick="0" advTm="0"/>
+      <p:transition spd="slow" advClick="0" advTm="15000"/>
     </mc:Fallback>
   </mc:AlternateContent>
 </p:sld>
@@ -7746,7 +8003,7 @@
         </p:nvSpPr>
         <p:spPr>
           <a:xfrm>
-            <a:off x="1524000" y="2338348"/>
+            <a:off x="1524000" y="746874"/>
             <a:ext cx="9144000" cy="1841707"/>
           </a:xfrm>
         </p:spPr>
@@ -7756,7 +8013,279 @@
           <a:p>
             <a:r>
               <a:rPr lang="en-US" dirty="0"/>
-              <a:t>But the scariest thing about 2034?</a:t>
+              <a:t>How will </a:t>
+            </a:r>
+            <a:r>
+              <a:rPr lang="en-US" dirty="0" err="1"/>
+              <a:t>techbro</a:t>
+            </a:r>
+            <a:r>
+              <a:rPr lang="en-US" dirty="0"/>
+              <a:t>-ism have evolved in 2034?</a:t>
+            </a:r>
+            <a:endParaRPr lang="en-AU" dirty="0"/>
+          </a:p>
+        </p:txBody>
+      </p:sp>
+      <p:sp>
+        <p:nvSpPr>
+          <p:cNvPr id="3" name="Subtitle 2">
+            <a:extLst>
+              <a:ext uri="{FF2B5EF4-FFF2-40B4-BE49-F238E27FC236}">
+                <a16:creationId xmlns:a16="http://schemas.microsoft.com/office/drawing/2014/main" id="{B783C548-3E65-B743-A411-D4C50D4B4412}"/>
+              </a:ext>
+            </a:extLst>
+          </p:cNvPr>
+          <p:cNvSpPr>
+            <a:spLocks noGrp="1"/>
+          </p:cNvSpPr>
+          <p:nvPr>
+            <p:ph type="subTitle" idx="1"/>
+          </p:nvPr>
+        </p:nvSpPr>
+        <p:spPr/>
+        <p:txBody>
+          <a:bodyPr/>
+          <a:lstStyle/>
+          <a:p>
+            <a:pPr marL="342900" indent="-342900">
+              <a:buFont typeface="Arial" panose="020B0604020202020204" pitchFamily="34" charset="0"/>
+              <a:buChar char="•"/>
+            </a:pPr>
+            <a:r>
+              <a:rPr lang="en-US" dirty="0"/>
+              <a:t>Must have your TC* tattooed on you</a:t>
+            </a:r>
+          </a:p>
+          <a:p>
+            <a:pPr marL="342900" indent="-342900">
+              <a:buFont typeface="Arial" panose="020B0604020202020204" pitchFamily="34" charset="0"/>
+              <a:buChar char="•"/>
+            </a:pPr>
+            <a:r>
+              <a:rPr lang="en-US" dirty="0"/>
+              <a:t>Compulsory wearing of Patagonia</a:t>
+            </a:r>
+          </a:p>
+          <a:p>
+            <a:pPr marL="342900" indent="-342900">
+              <a:buFont typeface="Arial" panose="020B0604020202020204" pitchFamily="34" charset="0"/>
+              <a:buChar char="•"/>
+            </a:pPr>
+            <a:r>
+              <a:rPr lang="en-US" dirty="0"/>
+              <a:t>Only eat from </a:t>
+            </a:r>
+            <a:r>
+              <a:rPr lang="en-US" dirty="0" err="1"/>
+              <a:t>DoorDash</a:t>
+            </a:r>
+            <a:r>
+              <a:rPr lang="en-US" dirty="0"/>
+              <a:t> or office free food</a:t>
+            </a:r>
+          </a:p>
+          <a:p>
+            <a:endParaRPr lang="en-AU" dirty="0"/>
+          </a:p>
+        </p:txBody>
+      </p:sp>
+      <p:sp>
+        <p:nvSpPr>
+          <p:cNvPr id="4" name="Subtitle 2">
+            <a:extLst>
+              <a:ext uri="{FF2B5EF4-FFF2-40B4-BE49-F238E27FC236}">
+                <a16:creationId xmlns:a16="http://schemas.microsoft.com/office/drawing/2014/main" id="{F72E8486-25B5-D7CC-30F5-A3A42BB02F78}"/>
+              </a:ext>
+            </a:extLst>
+          </p:cNvPr>
+          <p:cNvSpPr txBox="1">
+            <a:spLocks/>
+          </p:cNvSpPr>
+          <p:nvPr/>
+        </p:nvSpPr>
+        <p:spPr>
+          <a:xfrm>
+            <a:off x="261257" y="6165610"/>
+            <a:ext cx="9144000" cy="435488"/>
+          </a:xfrm>
+          <a:prstGeom prst="rect">
+            <a:avLst/>
+          </a:prstGeom>
+        </p:spPr>
+        <p:txBody>
+          <a:bodyPr vert="horz" lIns="91440" tIns="45720" rIns="91440" bIns="45720" rtlCol="0">
+            <a:normAutofit/>
+          </a:bodyPr>
+          <a:lstStyle>
+            <a:lvl1pPr marL="0" indent="0" algn="ctr" defTabSz="914400" rtl="0" eaLnBrk="1" latinLnBrk="0" hangingPunct="1">
+              <a:lnSpc>
+                <a:spcPct val="90000"/>
+              </a:lnSpc>
+              <a:spcBef>
+                <a:spcPts val="1000"/>
+              </a:spcBef>
+              <a:buFont typeface="Arial" panose="020B0604020202020204" pitchFamily="34" charset="0"/>
+              <a:buNone/>
+              <a:defRPr sz="2400" kern="1200">
+                <a:solidFill>
+                  <a:schemeClr val="tx1"/>
+                </a:solidFill>
+                <a:latin typeface="+mn-lt"/>
+                <a:ea typeface="+mn-ea"/>
+                <a:cs typeface="+mn-cs"/>
+              </a:defRPr>
+            </a:lvl1pPr>
+            <a:lvl2pPr marL="457200" indent="0" algn="ctr" defTabSz="914400" rtl="0" eaLnBrk="1" latinLnBrk="0" hangingPunct="1">
+              <a:lnSpc>
+                <a:spcPct val="90000"/>
+              </a:lnSpc>
+              <a:spcBef>
+                <a:spcPts val="500"/>
+              </a:spcBef>
+              <a:buFont typeface="Arial" panose="020B0604020202020204" pitchFamily="34" charset="0"/>
+              <a:buNone/>
+              <a:defRPr sz="2000" kern="1200">
+                <a:solidFill>
+                  <a:schemeClr val="tx1"/>
+                </a:solidFill>
+                <a:latin typeface="+mn-lt"/>
+                <a:ea typeface="+mn-ea"/>
+                <a:cs typeface="+mn-cs"/>
+              </a:defRPr>
+            </a:lvl2pPr>
+            <a:lvl3pPr marL="914400" indent="0" algn="ctr" defTabSz="914400" rtl="0" eaLnBrk="1" latinLnBrk="0" hangingPunct="1">
+              <a:lnSpc>
+                <a:spcPct val="90000"/>
+              </a:lnSpc>
+              <a:spcBef>
+                <a:spcPts val="500"/>
+              </a:spcBef>
+              <a:buFont typeface="Arial" panose="020B0604020202020204" pitchFamily="34" charset="0"/>
+              <a:buNone/>
+              <a:defRPr sz="1800" kern="1200">
+                <a:solidFill>
+                  <a:schemeClr val="tx1"/>
+                </a:solidFill>
+                <a:latin typeface="+mn-lt"/>
+                <a:ea typeface="+mn-ea"/>
+                <a:cs typeface="+mn-cs"/>
+              </a:defRPr>
+            </a:lvl3pPr>
+            <a:lvl4pPr marL="1371600" indent="0" algn="ctr" defTabSz="914400" rtl="0" eaLnBrk="1" latinLnBrk="0" hangingPunct="1">
+              <a:lnSpc>
+                <a:spcPct val="90000"/>
+              </a:lnSpc>
+              <a:spcBef>
+                <a:spcPts val="500"/>
+              </a:spcBef>
+              <a:buFont typeface="Arial" panose="020B0604020202020204" pitchFamily="34" charset="0"/>
+              <a:buNone/>
+              <a:defRPr sz="1600" kern="1200">
+                <a:solidFill>
+                  <a:schemeClr val="tx1"/>
+                </a:solidFill>
+                <a:latin typeface="+mn-lt"/>
+                <a:ea typeface="+mn-ea"/>
+                <a:cs typeface="+mn-cs"/>
+              </a:defRPr>
+            </a:lvl4pPr>
+            <a:lvl5pPr marL="1828800" indent="0" algn="ctr" defTabSz="914400" rtl="0" eaLnBrk="1" latinLnBrk="0" hangingPunct="1">
+              <a:lnSpc>
+                <a:spcPct val="90000"/>
+              </a:lnSpc>
+              <a:spcBef>
+                <a:spcPts val="500"/>
+              </a:spcBef>
+              <a:buFont typeface="Arial" panose="020B0604020202020204" pitchFamily="34" charset="0"/>
+              <a:buNone/>
+              <a:defRPr sz="1600" kern="1200">
+                <a:solidFill>
+                  <a:schemeClr val="tx1"/>
+                </a:solidFill>
+                <a:latin typeface="+mn-lt"/>
+                <a:ea typeface="+mn-ea"/>
+                <a:cs typeface="+mn-cs"/>
+              </a:defRPr>
+            </a:lvl5pPr>
+            <a:lvl6pPr marL="2286000" indent="0" algn="ctr" defTabSz="914400" rtl="0" eaLnBrk="1" latinLnBrk="0" hangingPunct="1">
+              <a:lnSpc>
+                <a:spcPct val="90000"/>
+              </a:lnSpc>
+              <a:spcBef>
+                <a:spcPts val="500"/>
+              </a:spcBef>
+              <a:buFont typeface="Arial" panose="020B0604020202020204" pitchFamily="34" charset="0"/>
+              <a:buNone/>
+              <a:defRPr sz="1600" kern="1200">
+                <a:solidFill>
+                  <a:schemeClr val="tx1"/>
+                </a:solidFill>
+                <a:latin typeface="+mn-lt"/>
+                <a:ea typeface="+mn-ea"/>
+                <a:cs typeface="+mn-cs"/>
+              </a:defRPr>
+            </a:lvl6pPr>
+            <a:lvl7pPr marL="2743200" indent="0" algn="ctr" defTabSz="914400" rtl="0" eaLnBrk="1" latinLnBrk="0" hangingPunct="1">
+              <a:lnSpc>
+                <a:spcPct val="90000"/>
+              </a:lnSpc>
+              <a:spcBef>
+                <a:spcPts val="500"/>
+              </a:spcBef>
+              <a:buFont typeface="Arial" panose="020B0604020202020204" pitchFamily="34" charset="0"/>
+              <a:buNone/>
+              <a:defRPr sz="1600" kern="1200">
+                <a:solidFill>
+                  <a:schemeClr val="tx1"/>
+                </a:solidFill>
+                <a:latin typeface="+mn-lt"/>
+                <a:ea typeface="+mn-ea"/>
+                <a:cs typeface="+mn-cs"/>
+              </a:defRPr>
+            </a:lvl7pPr>
+            <a:lvl8pPr marL="3200400" indent="0" algn="ctr" defTabSz="914400" rtl="0" eaLnBrk="1" latinLnBrk="0" hangingPunct="1">
+              <a:lnSpc>
+                <a:spcPct val="90000"/>
+              </a:lnSpc>
+              <a:spcBef>
+                <a:spcPts val="500"/>
+              </a:spcBef>
+              <a:buFont typeface="Arial" panose="020B0604020202020204" pitchFamily="34" charset="0"/>
+              <a:buNone/>
+              <a:defRPr sz="1600" kern="1200">
+                <a:solidFill>
+                  <a:schemeClr val="tx1"/>
+                </a:solidFill>
+                <a:latin typeface="+mn-lt"/>
+                <a:ea typeface="+mn-ea"/>
+                <a:cs typeface="+mn-cs"/>
+              </a:defRPr>
+            </a:lvl8pPr>
+            <a:lvl9pPr marL="3657600" indent="0" algn="ctr" defTabSz="914400" rtl="0" eaLnBrk="1" latinLnBrk="0" hangingPunct="1">
+              <a:lnSpc>
+                <a:spcPct val="90000"/>
+              </a:lnSpc>
+              <a:spcBef>
+                <a:spcPts val="500"/>
+              </a:spcBef>
+              <a:buFont typeface="Arial" panose="020B0604020202020204" pitchFamily="34" charset="0"/>
+              <a:buNone/>
+              <a:defRPr sz="1600" kern="1200">
+                <a:solidFill>
+                  <a:schemeClr val="tx1"/>
+                </a:solidFill>
+                <a:latin typeface="+mn-lt"/>
+                <a:ea typeface="+mn-ea"/>
+                <a:cs typeface="+mn-cs"/>
+              </a:defRPr>
+            </a:lvl9pPr>
+          </a:lstStyle>
+          <a:p>
+            <a:pPr algn="l"/>
+            <a:r>
+              <a:rPr lang="en-US" dirty="0"/>
+              <a:t>* Total comp = salary + bonus + stock</a:t>
             </a:r>
             <a:endParaRPr lang="en-AU" dirty="0"/>
           </a:p>
@@ -7765,7 +8294,7 @@
     </p:spTree>
     <p:extLst>
       <p:ext uri="{BB962C8B-B14F-4D97-AF65-F5344CB8AC3E}">
-        <p14:creationId xmlns:p14="http://schemas.microsoft.com/office/powerpoint/2010/main" val="2771689946"/>
+        <p14:creationId xmlns:p14="http://schemas.microsoft.com/office/powerpoint/2010/main" val="1368049528"/>
       </p:ext>
     </p:extLst>
   </p:cSld>
@@ -7774,10 +8303,10 @@
   </p:clrMapOvr>
   <mc:AlternateContent xmlns:mc="http://schemas.openxmlformats.org/markup-compatibility/2006">
     <mc:Choice xmlns:p14="http://schemas.microsoft.com/office/powerpoint/2010/main" Requires="p14">
-      <p:transition spd="slow" p14:dur="2000" advClick="0" advTm="0"/>
+      <p:transition spd="slow" p14:dur="2000" advClick="0" advTm="15000"/>
     </mc:Choice>
     <mc:Fallback>
-      <p:transition spd="slow" advClick="0" advTm="0"/>
+      <p:transition spd="slow" advClick="0" advTm="15000"/>
     </mc:Fallback>
   </mc:AlternateContent>
 </p:sld>
@@ -7818,56 +8347,17 @@
         </p:nvSpPr>
         <p:spPr>
           <a:xfrm>
-            <a:off x="1384663" y="3087285"/>
+            <a:off x="1524000" y="2338348"/>
             <a:ext cx="9144000" cy="1841707"/>
           </a:xfrm>
         </p:spPr>
         <p:txBody>
-          <a:bodyPr>
-            <a:normAutofit fontScale="90000"/>
-          </a:bodyPr>
+          <a:bodyPr/>
           <a:lstStyle/>
           <a:p>
             <a:r>
               <a:rPr lang="en-US" dirty="0"/>
-              <a:t>From observing and monitoring tech folks and collecting data about everyone and spending too much time being trained by FAANG *</a:t>
-            </a:r>
-            <a:endParaRPr lang="en-AU" dirty="0"/>
-          </a:p>
-        </p:txBody>
-      </p:sp>
-      <p:sp>
-        <p:nvSpPr>
-          <p:cNvPr id="3" name="Subtitle 2">
-            <a:extLst>
-              <a:ext uri="{FF2B5EF4-FFF2-40B4-BE49-F238E27FC236}">
-                <a16:creationId xmlns:a16="http://schemas.microsoft.com/office/drawing/2014/main" id="{3AC25204-40FA-1BC4-003E-C8352BB58F88}"/>
-              </a:ext>
-            </a:extLst>
-          </p:cNvPr>
-          <p:cNvSpPr>
-            <a:spLocks noGrp="1"/>
-          </p:cNvSpPr>
-          <p:nvPr>
-            <p:ph type="subTitle" idx="1"/>
-          </p:nvPr>
-        </p:nvSpPr>
-        <p:spPr>
-          <a:xfrm>
-            <a:off x="261257" y="6156960"/>
-            <a:ext cx="9144000" cy="444138"/>
-          </a:xfrm>
-        </p:spPr>
-        <p:txBody>
-          <a:bodyPr>
-            <a:normAutofit/>
-          </a:bodyPr>
-          <a:lstStyle/>
-          <a:p>
-            <a:pPr algn="l"/>
-            <a:r>
-              <a:rPr lang="en-US" dirty="0"/>
-              <a:t>* FAANG is Facebook, Amazon, Apple, Netflix, Google</a:t>
+              <a:t>But the scariest thing about 2034?</a:t>
             </a:r>
             <a:endParaRPr lang="en-AU" dirty="0"/>
           </a:p>
@@ -7876,7 +8366,7 @@
     </p:spTree>
     <p:extLst>
       <p:ext uri="{BB962C8B-B14F-4D97-AF65-F5344CB8AC3E}">
-        <p14:creationId xmlns:p14="http://schemas.microsoft.com/office/powerpoint/2010/main" val="2545832795"/>
+        <p14:creationId xmlns:p14="http://schemas.microsoft.com/office/powerpoint/2010/main" val="2771689946"/>
       </p:ext>
     </p:extLst>
   </p:cSld>
@@ -7885,10 +8375,10 @@
   </p:clrMapOvr>
   <mc:AlternateContent xmlns:mc="http://schemas.openxmlformats.org/markup-compatibility/2006">
     <mc:Choice xmlns:p14="http://schemas.microsoft.com/office/powerpoint/2010/main" Requires="p14">
-      <p:transition spd="slow" p14:dur="2000" advClick="0" advTm="0"/>
+      <p:transition spd="slow" p14:dur="2000" advClick="0" advTm="15000"/>
     </mc:Choice>
     <mc:Fallback>
-      <p:transition spd="slow" advClick="0" advTm="0"/>
+      <p:transition spd="slow" advClick="0" advTm="15000"/>
     </mc:Fallback>
   </mc:AlternateContent>
 </p:sld>
@@ -7929,6 +8419,117 @@
         </p:nvSpPr>
         <p:spPr>
           <a:xfrm>
+            <a:off x="1384663" y="3087285"/>
+            <a:ext cx="9144000" cy="1841707"/>
+          </a:xfrm>
+        </p:spPr>
+        <p:txBody>
+          <a:bodyPr>
+            <a:normAutofit fontScale="90000"/>
+          </a:bodyPr>
+          <a:lstStyle/>
+          <a:p>
+            <a:r>
+              <a:rPr lang="en-US" dirty="0"/>
+              <a:t>From observing and monitoring tech folks and collecting data about everyone and spending too much time being trained by FAANG *</a:t>
+            </a:r>
+            <a:endParaRPr lang="en-AU" dirty="0"/>
+          </a:p>
+        </p:txBody>
+      </p:sp>
+      <p:sp>
+        <p:nvSpPr>
+          <p:cNvPr id="3" name="Subtitle 2">
+            <a:extLst>
+              <a:ext uri="{FF2B5EF4-FFF2-40B4-BE49-F238E27FC236}">
+                <a16:creationId xmlns:a16="http://schemas.microsoft.com/office/drawing/2014/main" id="{3AC25204-40FA-1BC4-003E-C8352BB58F88}"/>
+              </a:ext>
+            </a:extLst>
+          </p:cNvPr>
+          <p:cNvSpPr>
+            <a:spLocks noGrp="1"/>
+          </p:cNvSpPr>
+          <p:nvPr>
+            <p:ph type="subTitle" idx="1"/>
+          </p:nvPr>
+        </p:nvSpPr>
+        <p:spPr>
+          <a:xfrm>
+            <a:off x="261257" y="6156960"/>
+            <a:ext cx="9144000" cy="444138"/>
+          </a:xfrm>
+        </p:spPr>
+        <p:txBody>
+          <a:bodyPr>
+            <a:normAutofit/>
+          </a:bodyPr>
+          <a:lstStyle/>
+          <a:p>
+            <a:pPr algn="l"/>
+            <a:r>
+              <a:rPr lang="en-US" dirty="0"/>
+              <a:t>* FAANG is Facebook, Amazon, Apple, Netflix, Google</a:t>
+            </a:r>
+            <a:endParaRPr lang="en-AU" dirty="0"/>
+          </a:p>
+        </p:txBody>
+      </p:sp>
+    </p:spTree>
+    <p:extLst>
+      <p:ext uri="{BB962C8B-B14F-4D97-AF65-F5344CB8AC3E}">
+        <p14:creationId xmlns:p14="http://schemas.microsoft.com/office/powerpoint/2010/main" val="2545832795"/>
+      </p:ext>
+    </p:extLst>
+  </p:cSld>
+  <p:clrMapOvr>
+    <a:masterClrMapping/>
+  </p:clrMapOvr>
+  <mc:AlternateContent xmlns:mc="http://schemas.openxmlformats.org/markup-compatibility/2006">
+    <mc:Choice xmlns:p14="http://schemas.microsoft.com/office/powerpoint/2010/main" Requires="p14">
+      <p:transition spd="slow" p14:dur="2000" advClick="0" advTm="15000"/>
+    </mc:Choice>
+    <mc:Fallback>
+      <p:transition spd="slow" advClick="0" advTm="15000"/>
+    </mc:Fallback>
+  </mc:AlternateContent>
+</p:sld>
+</file>
+
+<file path=ppt/slides/slide7.xml><?xml version="1.0" encoding="utf-8"?>
+<p:sld xmlns:a="http://schemas.openxmlformats.org/drawingml/2006/main" xmlns:r="http://schemas.openxmlformats.org/officeDocument/2006/relationships" xmlns:p="http://schemas.openxmlformats.org/presentationml/2006/main">
+  <p:cSld>
+    <p:spTree>
+      <p:nvGrpSpPr>
+        <p:cNvPr id="1" name=""/>
+        <p:cNvGrpSpPr/>
+        <p:nvPr/>
+      </p:nvGrpSpPr>
+      <p:grpSpPr>
+        <a:xfrm>
+          <a:off x="0" y="0"/>
+          <a:ext cx="0" cy="0"/>
+          <a:chOff x="0" y="0"/>
+          <a:chExt cx="0" cy="0"/>
+        </a:xfrm>
+      </p:grpSpPr>
+      <p:sp>
+        <p:nvSpPr>
+          <p:cNvPr id="2" name="Title 1">
+            <a:extLst>
+              <a:ext uri="{FF2B5EF4-FFF2-40B4-BE49-F238E27FC236}">
+                <a16:creationId xmlns:a16="http://schemas.microsoft.com/office/drawing/2014/main" id="{86902E03-951A-AF33-53C3-63A98F1AFC84}"/>
+              </a:ext>
+            </a:extLst>
+          </p:cNvPr>
+          <p:cNvSpPr>
+            <a:spLocks noGrp="1"/>
+          </p:cNvSpPr>
+          <p:nvPr>
+            <p:ph type="ctrTitle"/>
+          </p:nvPr>
+        </p:nvSpPr>
+        <p:spPr>
+          <a:xfrm>
             <a:off x="1524000" y="2338348"/>
             <a:ext cx="9144000" cy="1841707"/>
           </a:xfrm>
@@ -7957,16 +8558,16 @@
   </p:clrMapOvr>
   <mc:AlternateContent xmlns:mc="http://schemas.openxmlformats.org/markup-compatibility/2006">
     <mc:Choice xmlns:p14="http://schemas.microsoft.com/office/powerpoint/2010/main" Requires="p14">
-      <p:transition spd="slow" p14:dur="2000" advClick="0" advTm="0"/>
+      <p:transition spd="slow" p14:dur="2000" advClick="0" advTm="15000"/>
     </mc:Choice>
     <mc:Fallback>
-      <p:transition spd="slow" advClick="0" advTm="0"/>
+      <p:transition spd="slow" advClick="0" advTm="15000"/>
     </mc:Fallback>
   </mc:AlternateContent>
 </p:sld>
 </file>
 
-<file path=ppt/slides/slide7.xml><?xml version="1.0" encoding="utf-8"?>
+<file path=ppt/slides/slide8.xml><?xml version="1.0" encoding="utf-8"?>
 <p:sld xmlns:a="http://schemas.openxmlformats.org/drawingml/2006/main" xmlns:r="http://schemas.openxmlformats.org/officeDocument/2006/relationships" xmlns:p="http://schemas.openxmlformats.org/presentationml/2006/main">
   <p:cSld>
     <p:spTree>
@@ -8075,16 +8676,16 @@
   </p:clrMapOvr>
   <mc:AlternateContent xmlns:mc="http://schemas.openxmlformats.org/markup-compatibility/2006">
     <mc:Choice xmlns:p14="http://schemas.microsoft.com/office/powerpoint/2010/main" Requires="p14">
-      <p:transition spd="slow" p14:dur="2000" advClick="0" advTm="0"/>
+      <p:transition spd="slow" p14:dur="2000" advClick="0" advTm="15000"/>
     </mc:Choice>
     <mc:Fallback>
-      <p:transition spd="slow" advClick="0" advTm="0"/>
+      <p:transition spd="slow" advClick="0" advTm="15000"/>
     </mc:Fallback>
   </mc:AlternateContent>
 </p:sld>
 </file>
 
-<file path=ppt/slides/slide8.xml><?xml version="1.0" encoding="utf-8"?>
+<file path=ppt/slides/slide9.xml><?xml version="1.0" encoding="utf-8"?>
 <p:sld xmlns:a="http://schemas.openxmlformats.org/drawingml/2006/main" xmlns:r="http://schemas.openxmlformats.org/officeDocument/2006/relationships" xmlns:p="http://schemas.openxmlformats.org/presentationml/2006/main">
   <p:cSld>
     <p:spTree>
@@ -8208,137 +8809,10 @@
   </p:clrMapOvr>
   <mc:AlternateContent xmlns:mc="http://schemas.openxmlformats.org/markup-compatibility/2006">
     <mc:Choice xmlns:p14="http://schemas.microsoft.com/office/powerpoint/2010/main" Requires="p14">
-      <p:transition spd="slow" p14:dur="2000" advClick="0" advTm="0"/>
+      <p:transition spd="slow" p14:dur="2000" advClick="0" advTm="15000"/>
     </mc:Choice>
     <mc:Fallback>
-      <p:transition spd="slow" advClick="0" advTm="0"/>
-    </mc:Fallback>
-  </mc:AlternateContent>
-</p:sld>
-</file>
-
-<file path=ppt/slides/slide9.xml><?xml version="1.0" encoding="utf-8"?>
-<p:sld xmlns:a="http://schemas.openxmlformats.org/drawingml/2006/main" xmlns:r="http://schemas.openxmlformats.org/officeDocument/2006/relationships" xmlns:p="http://schemas.openxmlformats.org/presentationml/2006/main">
-  <p:cSld>
-    <p:spTree>
-      <p:nvGrpSpPr>
-        <p:cNvPr id="1" name=""/>
-        <p:cNvGrpSpPr/>
-        <p:nvPr/>
-      </p:nvGrpSpPr>
-      <p:grpSpPr>
-        <a:xfrm>
-          <a:off x="0" y="0"/>
-          <a:ext cx="0" cy="0"/>
-          <a:chOff x="0" y="0"/>
-          <a:chExt cx="0" cy="0"/>
-        </a:xfrm>
-      </p:grpSpPr>
-      <p:sp>
-        <p:nvSpPr>
-          <p:cNvPr id="2" name="Title 1">
-            <a:extLst>
-              <a:ext uri="{FF2B5EF4-FFF2-40B4-BE49-F238E27FC236}">
-                <a16:creationId xmlns:a16="http://schemas.microsoft.com/office/drawing/2014/main" id="{86902E03-951A-AF33-53C3-63A98F1AFC84}"/>
-              </a:ext>
-            </a:extLst>
-          </p:cNvPr>
-          <p:cNvSpPr>
-            <a:spLocks noGrp="1"/>
-          </p:cNvSpPr>
-          <p:nvPr>
-            <p:ph type="ctrTitle"/>
-          </p:nvPr>
-        </p:nvSpPr>
-        <p:spPr>
-          <a:xfrm>
-            <a:off x="1524000" y="1922531"/>
-            <a:ext cx="9144000" cy="1841707"/>
-          </a:xfrm>
-        </p:spPr>
-        <p:txBody>
-          <a:bodyPr/>
-          <a:lstStyle/>
-          <a:p>
-            <a:r>
-              <a:rPr lang="en-US" dirty="0"/>
-              <a:t>Copilot for net worth</a:t>
-            </a:r>
-            <a:endParaRPr lang="en-AU" dirty="0"/>
-          </a:p>
-        </p:txBody>
-      </p:sp>
-      <p:sp>
-        <p:nvSpPr>
-          <p:cNvPr id="5" name="Subtitle 4">
-            <a:extLst>
-              <a:ext uri="{FF2B5EF4-FFF2-40B4-BE49-F238E27FC236}">
-                <a16:creationId xmlns:a16="http://schemas.microsoft.com/office/drawing/2014/main" id="{CB89517C-DB31-F417-53B4-E91AADC913FC}"/>
-              </a:ext>
-            </a:extLst>
-          </p:cNvPr>
-          <p:cNvSpPr>
-            <a:spLocks noGrp="1"/>
-          </p:cNvSpPr>
-          <p:nvPr>
-            <p:ph type="subTitle" idx="1"/>
-          </p:nvPr>
-        </p:nvSpPr>
-        <p:spPr/>
-        <p:txBody>
-          <a:bodyPr/>
-          <a:lstStyle/>
-          <a:p>
-            <a:endParaRPr lang="en-AU"/>
-          </a:p>
-        </p:txBody>
-      </p:sp>
-      <p:pic>
-        <p:nvPicPr>
-          <p:cNvPr id="7" name="Picture 6" descr="Cartoon character in a plane&#10;&#10;Description automatically generated">
-            <a:extLst>
-              <a:ext uri="{FF2B5EF4-FFF2-40B4-BE49-F238E27FC236}">
-                <a16:creationId xmlns:a16="http://schemas.microsoft.com/office/drawing/2014/main" id="{63151F77-50C9-B467-FC66-0D014F2A654C}"/>
-              </a:ext>
-            </a:extLst>
-          </p:cNvPr>
-          <p:cNvPicPr>
-            <a:picLocks noChangeAspect="1"/>
-          </p:cNvPicPr>
-          <p:nvPr/>
-        </p:nvPicPr>
-        <p:blipFill>
-          <a:blip r:embed="rId3"/>
-          <a:stretch>
-            <a:fillRect/>
-          </a:stretch>
-        </p:blipFill>
-        <p:spPr>
-          <a:xfrm>
-            <a:off x="2667000" y="0"/>
-            <a:ext cx="6858000" cy="6858000"/>
-          </a:xfrm>
-          <a:prstGeom prst="rect">
-            <a:avLst/>
-          </a:prstGeom>
-        </p:spPr>
-      </p:pic>
-    </p:spTree>
-    <p:extLst>
-      <p:ext uri="{BB962C8B-B14F-4D97-AF65-F5344CB8AC3E}">
-        <p14:creationId xmlns:p14="http://schemas.microsoft.com/office/powerpoint/2010/main" val="2906893585"/>
-      </p:ext>
-    </p:extLst>
-  </p:cSld>
-  <p:clrMapOvr>
-    <a:masterClrMapping/>
-  </p:clrMapOvr>
-  <mc:AlternateContent xmlns:mc="http://schemas.openxmlformats.org/markup-compatibility/2006">
-    <mc:Choice xmlns:p14="http://schemas.microsoft.com/office/powerpoint/2010/main" Requires="p14">
-      <p:transition spd="slow" p14:dur="2000" advClick="0" advTm="0"/>
-    </mc:Choice>
-    <mc:Fallback>
-      <p:transition spd="slow" advClick="0" advTm="0"/>
+      <p:transition spd="slow" advClick="0" advTm="15000"/>
     </mc:Fallback>
   </mc:AlternateContent>
 </p:sld>
